--- a/Engineering clinics review [Autosaved].pptx
+++ b/Engineering clinics review [Autosaved].pptx
@@ -5,23 +5,22 @@
     <p:sldMasterId id="2147483648" r:id="rId1"/>
   </p:sldMasterIdLst>
   <p:notesMasterIdLst>
-    <p:notesMasterId r:id="rId13"/>
+    <p:notesMasterId r:id="rId12"/>
   </p:notesMasterIdLst>
   <p:handoutMasterIdLst>
-    <p:handoutMasterId r:id="rId14"/>
+    <p:handoutMasterId r:id="rId13"/>
   </p:handoutMasterIdLst>
   <p:sldIdLst>
     <p:sldId id="270" r:id="rId2"/>
-    <p:sldId id="491" r:id="rId3"/>
-    <p:sldId id="648" r:id="rId4"/>
-    <p:sldId id="651" r:id="rId5"/>
-    <p:sldId id="656" r:id="rId6"/>
-    <p:sldId id="652" r:id="rId7"/>
-    <p:sldId id="653" r:id="rId8"/>
-    <p:sldId id="654" r:id="rId9"/>
-    <p:sldId id="655" r:id="rId10"/>
-    <p:sldId id="650" r:id="rId11"/>
-    <p:sldId id="644" r:id="rId12"/>
+    <p:sldId id="648" r:id="rId3"/>
+    <p:sldId id="651" r:id="rId4"/>
+    <p:sldId id="656" r:id="rId5"/>
+    <p:sldId id="652" r:id="rId6"/>
+    <p:sldId id="653" r:id="rId7"/>
+    <p:sldId id="654" r:id="rId8"/>
+    <p:sldId id="655" r:id="rId9"/>
+    <p:sldId id="650" r:id="rId10"/>
+    <p:sldId id="644" r:id="rId11"/>
   </p:sldIdLst>
   <p:sldSz cx="12192000" cy="6858000"/>
   <p:notesSz cx="6858000" cy="9144000"/>
@@ -222,7 +221,7 @@
           <a:p>
             <a:fld id="{1F06994E-932F-42AF-AA66-00BCC6A62E11}" type="datetimeFigureOut">
               <a:rPr lang="en-IN" smtClean="0"/>
-              <a:t>13-10-2018</a:t>
+              <a:t>30-06-2021</a:t>
             </a:fld>
             <a:endParaRPr lang="en-IN" dirty="0"/>
           </a:p>
@@ -387,7 +386,7 @@
           <a:p>
             <a:fld id="{C7979208-1FAE-4ECE-9F85-10282A44E997}" type="datetimeFigureOut">
               <a:rPr lang="en-IN" smtClean="0"/>
-              <a:t>13-10-2018</a:t>
+              <a:t>30-06-2021</a:t>
             </a:fld>
             <a:endParaRPr lang="en-IN" dirty="0"/>
           </a:p>
@@ -786,7 +785,7 @@
           <a:p>
             <a:fld id="{6B6D0446-CEBA-4B18-9EA6-11FA6F5FE1B9}" type="datetime1">
               <a:rPr lang="en-IN" smtClean="0"/>
-              <a:t>13-10-2018</a:t>
+              <a:t>30-06-2021</a:t>
             </a:fld>
             <a:endParaRPr lang="en-IN" dirty="0"/>
           </a:p>
@@ -956,7 +955,7 @@
           <a:p>
             <a:fld id="{40C3727A-9BFA-4B26-87E9-DB28224639A7}" type="datetime1">
               <a:rPr lang="en-IN" smtClean="0"/>
-              <a:t>13-10-2018</a:t>
+              <a:t>30-06-2021</a:t>
             </a:fld>
             <a:endParaRPr lang="en-IN" dirty="0"/>
           </a:p>
@@ -1136,7 +1135,7 @@
           <a:p>
             <a:fld id="{202C3170-2A1A-4E3E-B18C-553CB2C593AF}" type="datetime1">
               <a:rPr lang="en-IN" smtClean="0"/>
-              <a:t>13-10-2018</a:t>
+              <a:t>30-06-2021</a:t>
             </a:fld>
             <a:endParaRPr lang="en-IN" dirty="0"/>
           </a:p>
@@ -1306,7 +1305,7 @@
           <a:p>
             <a:fld id="{E65B97D8-B415-4497-B852-C05CF054CEF4}" type="datetime1">
               <a:rPr lang="en-IN" smtClean="0"/>
-              <a:t>13-10-2018</a:t>
+              <a:t>30-06-2021</a:t>
             </a:fld>
             <a:endParaRPr lang="en-IN" dirty="0"/>
           </a:p>
@@ -1552,7 +1551,7 @@
           <a:p>
             <a:fld id="{207EBCFD-AC99-4F66-919C-B5F232B7E290}" type="datetime1">
               <a:rPr lang="en-IN" smtClean="0"/>
-              <a:t>13-10-2018</a:t>
+              <a:t>30-06-2021</a:t>
             </a:fld>
             <a:endParaRPr lang="en-IN" dirty="0"/>
           </a:p>
@@ -1784,7 +1783,7 @@
           <a:p>
             <a:fld id="{72F56E4E-99E4-43CC-8EB1-C04D99E9FE41}" type="datetime1">
               <a:rPr lang="en-IN" smtClean="0"/>
-              <a:t>13-10-2018</a:t>
+              <a:t>30-06-2021</a:t>
             </a:fld>
             <a:endParaRPr lang="en-IN" dirty="0"/>
           </a:p>
@@ -2151,7 +2150,7 @@
           <a:p>
             <a:fld id="{68578654-A312-499C-8ED5-69F33C5EDEB1}" type="datetime1">
               <a:rPr lang="en-IN" smtClean="0"/>
-              <a:t>13-10-2018</a:t>
+              <a:t>30-06-2021</a:t>
             </a:fld>
             <a:endParaRPr lang="en-IN" dirty="0"/>
           </a:p>
@@ -2269,7 +2268,7 @@
           <a:p>
             <a:fld id="{93DA2C79-0FC3-4C9B-8D4D-55068E5C2F58}" type="datetime1">
               <a:rPr lang="en-IN" smtClean="0"/>
-              <a:t>13-10-2018</a:t>
+              <a:t>30-06-2021</a:t>
             </a:fld>
             <a:endParaRPr lang="en-IN" dirty="0"/>
           </a:p>
@@ -2364,7 +2363,7 @@
           <a:p>
             <a:fld id="{5CFAC125-D2E7-4942-9792-99DAAC1A114C}" type="datetime1">
               <a:rPr lang="en-IN" smtClean="0"/>
-              <a:t>13-10-2018</a:t>
+              <a:t>30-06-2021</a:t>
             </a:fld>
             <a:endParaRPr lang="en-IN" dirty="0"/>
           </a:p>
@@ -2641,7 +2640,7 @@
           <a:p>
             <a:fld id="{D61C93DD-8DE3-4796-B1FC-E187ECAA3099}" type="datetime1">
               <a:rPr lang="en-IN" smtClean="0"/>
-              <a:t>13-10-2018</a:t>
+              <a:t>30-06-2021</a:t>
             </a:fld>
             <a:endParaRPr lang="en-IN" dirty="0"/>
           </a:p>
@@ -2894,7 +2893,7 @@
           <a:p>
             <a:fld id="{3B305E1B-04D4-4F8A-9EC1-E693696EC572}" type="datetime1">
               <a:rPr lang="en-IN" smtClean="0"/>
-              <a:t>13-10-2018</a:t>
+              <a:t>30-06-2021</a:t>
             </a:fld>
             <a:endParaRPr lang="en-IN" dirty="0"/>
           </a:p>
@@ -3107,7 +3106,7 @@
           <a:p>
             <a:fld id="{A9AA2A3C-5813-48BA-962D-652419854D82}" type="datetime1">
               <a:rPr lang="en-IN" smtClean="0"/>
-              <a:t>13-10-2018</a:t>
+              <a:t>30-06-2021</a:t>
             </a:fld>
             <a:endParaRPr lang="en-IN" dirty="0"/>
           </a:p>
@@ -3611,48 +3610,9 @@
           <a:p>
             <a:fld id="{A1B13F69-A301-4C55-A991-ABA8E0B3BA62}" type="datetime1">
               <a:rPr lang="en-IN" smtClean="0"/>
-              <a:t>13-10-2018</a:t>
+              <a:t>30-06-2021</a:t>
             </a:fld>
             <a:endParaRPr lang="en-IN" dirty="0"/>
-          </a:p>
-        </p:txBody>
-      </p:sp>
-      <p:sp>
-        <p:nvSpPr>
-          <p:cNvPr id="5" name="TextBox 4">
-            <a:extLst>
-              <a:ext uri="{FF2B5EF4-FFF2-40B4-BE49-F238E27FC236}">
-                <a16:creationId xmlns:a16="http://schemas.microsoft.com/office/drawing/2014/main" id="{EDF40656-2616-4792-BE07-1AE83A013F90}"/>
-              </a:ext>
-            </a:extLst>
-          </p:cNvPr>
-          <p:cNvSpPr txBox="1"/>
-          <p:nvPr/>
-        </p:nvSpPr>
-        <p:spPr>
-          <a:xfrm>
-            <a:off x="4400489" y="4341173"/>
-            <a:ext cx="3391021" cy="461665"/>
-          </a:xfrm>
-          <a:prstGeom prst="rect">
-            <a:avLst/>
-          </a:prstGeom>
-          <a:noFill/>
-        </p:spPr>
-        <p:txBody>
-          <a:bodyPr wrap="square" rtlCol="0">
-            <a:spAutoFit/>
-          </a:bodyPr>
-          <a:lstStyle/>
-          <a:p>
-            <a:pPr algn="just"/>
-            <a:r>
-              <a:rPr lang="en-IN" sz="2400" b="1" dirty="0">
-                <a:latin typeface="Sylfaen" panose="010A0502050306030303" pitchFamily="18" charset="0"/>
-                <a:cs typeface="Arial" panose="020B0604020202020204" pitchFamily="34" charset="0"/>
-              </a:rPr>
-              <a:t>Review 2</a:t>
-            </a:r>
           </a:p>
         </p:txBody>
       </p:sp>
@@ -3837,36 +3797,7 @@
       </p:grpSp>
       <p:sp>
         <p:nvSpPr>
-          <p:cNvPr id="2" name="Date Placeholder 1"/>
-          <p:cNvSpPr>
-            <a:spLocks noGrp="1"/>
-          </p:cNvSpPr>
-          <p:nvPr>
-            <p:ph type="dt" sz="half" idx="10"/>
-          </p:nvPr>
-        </p:nvSpPr>
-        <p:spPr/>
-        <p:txBody>
-          <a:bodyPr/>
-          <a:lstStyle/>
-          <a:p>
-            <a:fld id="{31F6E3FF-E218-404E-B43D-8EE70304E5E5}" type="datetime1">
-              <a:rPr lang="en-IN" smtClean="0"/>
-              <a:t>13-10-2018</a:t>
-            </a:fld>
-            <a:endParaRPr lang="en-IN" dirty="0"/>
-          </a:p>
-        </p:txBody>
-      </p:sp>
-      <p:sp>
-        <p:nvSpPr>
-          <p:cNvPr id="12" name="Title 1">
-            <a:extLst>
-              <a:ext uri="{FF2B5EF4-FFF2-40B4-BE49-F238E27FC236}">
-                <a16:creationId xmlns:a16="http://schemas.microsoft.com/office/drawing/2014/main" id="{2A43BBD8-788A-42D7-8C66-153A9B19D2F4}"/>
-              </a:ext>
-            </a:extLst>
-          </p:cNvPr>
+          <p:cNvPr id="18" name="Title 1"/>
           <p:cNvSpPr txBox="1">
             <a:spLocks/>
           </p:cNvSpPr>
@@ -3874,8 +3805,8 @@
         </p:nvSpPr>
         <p:spPr>
           <a:xfrm>
-            <a:off x="1427018" y="282555"/>
-            <a:ext cx="6502400" cy="574306"/>
+            <a:off x="2809658" y="2392779"/>
+            <a:ext cx="7346317" cy="886308"/>
           </a:xfrm>
           <a:prstGeom prst="rect">
             <a:avLst/>
@@ -3910,44 +3841,62 @@
                 <a:latin typeface="Arial" panose="020B0604020202020204" pitchFamily="34" charset="0"/>
                 <a:cs typeface="Arial" panose="020B0604020202020204" pitchFamily="34" charset="0"/>
               </a:rPr>
-              <a:t>Content Details</a:t>
-            </a:r>
-          </a:p>
-        </p:txBody>
-      </p:sp>
-      <p:pic>
-        <p:nvPicPr>
-          <p:cNvPr id="11" name="Picture 10">
-            <a:extLst>
-              <a:ext uri="{FF2B5EF4-FFF2-40B4-BE49-F238E27FC236}">
-                <a16:creationId xmlns:a16="http://schemas.microsoft.com/office/drawing/2014/main" id="{001F1404-7930-4D25-885B-B2B1CEB30602}"/>
-              </a:ext>
-            </a:extLst>
-          </p:cNvPr>
-          <p:cNvPicPr>
-            <a:picLocks noChangeAspect="1"/>
-          </p:cNvPicPr>
-          <p:nvPr/>
-        </p:nvPicPr>
-        <p:blipFill rotWithShape="1">
-          <a:blip r:embed="rId3"/>
-          <a:srcRect l="16794" t="37340" r="27828" b="24543"/>
-          <a:stretch/>
-        </p:blipFill>
-        <p:spPr>
-          <a:xfrm>
-            <a:off x="1662544" y="1526330"/>
-            <a:ext cx="9463268" cy="3663831"/>
-          </a:xfrm>
-          <a:prstGeom prst="rect">
-            <a:avLst/>
-          </a:prstGeom>
-        </p:spPr>
-      </p:pic>
+              <a:t>	 </a:t>
+            </a:r>
+            <a:r>
+              <a:rPr lang="en-US" sz="3400" b="1" u="sng" dirty="0">
+                <a:solidFill>
+                  <a:srgbClr val="094607"/>
+                </a:solidFill>
+                <a:latin typeface="Times New Roman"/>
+                <a:cs typeface="Times New Roman"/>
+              </a:rPr>
+              <a:t>Thank You</a:t>
+            </a:r>
+            <a:r>
+              <a:rPr lang="en-US" sz="3400" u="sng" dirty="0">
+                <a:solidFill>
+                  <a:srgbClr val="094607"/>
+                </a:solidFill>
+                <a:latin typeface="Times New Roman"/>
+                <a:cs typeface="Times New Roman"/>
+              </a:rPr>
+              <a:t> </a:t>
+            </a:r>
+            <a:endParaRPr lang="en-IN" sz="3400" b="1" dirty="0">
+              <a:latin typeface="Arial" panose="020B0604020202020204" pitchFamily="34" charset="0"/>
+              <a:cs typeface="Arial" panose="020B0604020202020204" pitchFamily="34" charset="0"/>
+            </a:endParaRPr>
+          </a:p>
+        </p:txBody>
+      </p:sp>
+      <p:sp>
+        <p:nvSpPr>
+          <p:cNvPr id="2" name="Date Placeholder 1"/>
+          <p:cNvSpPr>
+            <a:spLocks noGrp="1"/>
+          </p:cNvSpPr>
+          <p:nvPr>
+            <p:ph type="dt" sz="half" idx="10"/>
+          </p:nvPr>
+        </p:nvSpPr>
+        <p:spPr/>
+        <p:txBody>
+          <a:bodyPr/>
+          <a:lstStyle/>
+          <a:p>
+            <a:fld id="{75394245-5190-4C86-901F-006E93B363CA}" type="datetime1">
+              <a:rPr lang="en-IN" smtClean="0"/>
+              <a:t>30-06-2021</a:t>
+            </a:fld>
+            <a:endParaRPr lang="en-IN" dirty="0"/>
+          </a:p>
+        </p:txBody>
+      </p:sp>
     </p:spTree>
     <p:extLst>
       <p:ext uri="{BB962C8B-B14F-4D97-AF65-F5344CB8AC3E}">
-        <p14:creationId xmlns:p14="http://schemas.microsoft.com/office/powerpoint/2010/main" val="1049844309"/>
+        <p14:creationId xmlns:p14="http://schemas.microsoft.com/office/powerpoint/2010/main" val="2392054520"/>
       </p:ext>
     </p:extLst>
   </p:cSld>
@@ -3957,7 +3906,7 @@
 </p:sld>
 </file>
 
-<file path=ppt/slides/slide11.xml><?xml version="1.0" encoding="utf-8"?>
+<file path=ppt/slides/slide2.xml><?xml version="1.0" encoding="utf-8"?>
 <p:sld xmlns:a="http://schemas.openxmlformats.org/drawingml/2006/main" xmlns:r="http://schemas.openxmlformats.org/officeDocument/2006/relationships" xmlns:p="http://schemas.openxmlformats.org/presentationml/2006/main">
   <p:cSld>
     <p:spTree>
@@ -4125,744 +4074,6 @@
       </p:grpSp>
       <p:sp>
         <p:nvSpPr>
-          <p:cNvPr id="18" name="Title 1"/>
-          <p:cNvSpPr txBox="1">
-            <a:spLocks/>
-          </p:cNvSpPr>
-          <p:nvPr/>
-        </p:nvSpPr>
-        <p:spPr>
-          <a:xfrm>
-            <a:off x="2809658" y="2392779"/>
-            <a:ext cx="7346317" cy="886308"/>
-          </a:xfrm>
-          <a:prstGeom prst="rect">
-            <a:avLst/>
-          </a:prstGeom>
-        </p:spPr>
-        <p:txBody>
-          <a:bodyPr vert="horz" lIns="91440" tIns="45720" rIns="91440" bIns="45720" rtlCol="0" anchor="ctr">
-            <a:normAutofit/>
-          </a:bodyPr>
-          <a:lstStyle>
-            <a:lvl1pPr algn="l" defTabSz="914400" rtl="0" eaLnBrk="1" latinLnBrk="0" hangingPunct="1">
-              <a:lnSpc>
-                <a:spcPct val="90000"/>
-              </a:lnSpc>
-              <a:spcBef>
-                <a:spcPct val="0"/>
-              </a:spcBef>
-              <a:buNone/>
-              <a:defRPr sz="4400" kern="1200">
-                <a:solidFill>
-                  <a:schemeClr val="tx1"/>
-                </a:solidFill>
-                <a:latin typeface="+mj-lt"/>
-                <a:ea typeface="+mj-ea"/>
-                <a:cs typeface="+mj-cs"/>
-              </a:defRPr>
-            </a:lvl1pPr>
-          </a:lstStyle>
-          <a:p>
-            <a:r>
-              <a:rPr lang="en-IN" sz="3400" b="1" dirty="0">
-                <a:latin typeface="Arial" panose="020B0604020202020204" pitchFamily="34" charset="0"/>
-                <a:cs typeface="Arial" panose="020B0604020202020204" pitchFamily="34" charset="0"/>
-              </a:rPr>
-              <a:t>	 </a:t>
-            </a:r>
-            <a:r>
-              <a:rPr lang="en-US" sz="3400" b="1" u="sng" dirty="0">
-                <a:solidFill>
-                  <a:srgbClr val="094607"/>
-                </a:solidFill>
-                <a:latin typeface="Times New Roman"/>
-                <a:cs typeface="Times New Roman"/>
-              </a:rPr>
-              <a:t>Thank You</a:t>
-            </a:r>
-            <a:r>
-              <a:rPr lang="en-US" sz="3400" u="sng" dirty="0">
-                <a:solidFill>
-                  <a:srgbClr val="094607"/>
-                </a:solidFill>
-                <a:latin typeface="Times New Roman"/>
-                <a:cs typeface="Times New Roman"/>
-              </a:rPr>
-              <a:t> </a:t>
-            </a:r>
-            <a:endParaRPr lang="en-IN" sz="3400" b="1" dirty="0">
-              <a:latin typeface="Arial" panose="020B0604020202020204" pitchFamily="34" charset="0"/>
-              <a:cs typeface="Arial" panose="020B0604020202020204" pitchFamily="34" charset="0"/>
-            </a:endParaRPr>
-          </a:p>
-        </p:txBody>
-      </p:sp>
-      <p:sp>
-        <p:nvSpPr>
-          <p:cNvPr id="2" name="Date Placeholder 1"/>
-          <p:cNvSpPr>
-            <a:spLocks noGrp="1"/>
-          </p:cNvSpPr>
-          <p:nvPr>
-            <p:ph type="dt" sz="half" idx="10"/>
-          </p:nvPr>
-        </p:nvSpPr>
-        <p:spPr/>
-        <p:txBody>
-          <a:bodyPr/>
-          <a:lstStyle/>
-          <a:p>
-            <a:fld id="{75394245-5190-4C86-901F-006E93B363CA}" type="datetime1">
-              <a:rPr lang="en-IN" smtClean="0"/>
-              <a:t>13-10-2018</a:t>
-            </a:fld>
-            <a:endParaRPr lang="en-IN" dirty="0"/>
-          </a:p>
-        </p:txBody>
-      </p:sp>
-    </p:spTree>
-    <p:extLst>
-      <p:ext uri="{BB962C8B-B14F-4D97-AF65-F5344CB8AC3E}">
-        <p14:creationId xmlns:p14="http://schemas.microsoft.com/office/powerpoint/2010/main" val="2392054520"/>
-      </p:ext>
-    </p:extLst>
-  </p:cSld>
-  <p:clrMapOvr>
-    <a:masterClrMapping/>
-  </p:clrMapOvr>
-</p:sld>
-</file>
-
-<file path=ppt/slides/slide2.xml><?xml version="1.0" encoding="utf-8"?>
-<p:sld xmlns:a="http://schemas.openxmlformats.org/drawingml/2006/main" xmlns:r="http://schemas.openxmlformats.org/officeDocument/2006/relationships" xmlns:p="http://schemas.openxmlformats.org/presentationml/2006/main">
-  <p:cSld>
-    <p:spTree>
-      <p:nvGrpSpPr>
-        <p:cNvPr id="1" name=""/>
-        <p:cNvGrpSpPr/>
-        <p:nvPr/>
-      </p:nvGrpSpPr>
-      <p:grpSpPr>
-        <a:xfrm>
-          <a:off x="0" y="0"/>
-          <a:ext cx="0" cy="0"/>
-          <a:chOff x="0" y="0"/>
-          <a:chExt cx="0" cy="0"/>
-        </a:xfrm>
-      </p:grpSpPr>
-      <p:sp>
-        <p:nvSpPr>
-          <p:cNvPr id="3" name="Content Placeholder 2"/>
-          <p:cNvSpPr>
-            <a:spLocks noGrp="1"/>
-          </p:cNvSpPr>
-          <p:nvPr>
-            <p:ph idx="1"/>
-          </p:nvPr>
-        </p:nvSpPr>
-        <p:spPr>
-          <a:xfrm>
-            <a:off x="838200" y="1825624"/>
-            <a:ext cx="10515600" cy="3799321"/>
-          </a:xfrm>
-        </p:spPr>
-        <p:txBody>
-          <a:bodyPr>
-            <a:normAutofit/>
-          </a:bodyPr>
-          <a:lstStyle/>
-          <a:p>
-            <a:pPr marL="342900" indent="-342900">
-              <a:buFont typeface="+mj-lt"/>
-              <a:buAutoNum type="arabicPeriod"/>
-            </a:pPr>
-            <a:r>
-              <a:rPr lang="en-GB" sz="1800" dirty="0">
-                <a:latin typeface="Arial" panose="020B0604020202020204" pitchFamily="34" charset="0"/>
-                <a:cs typeface="Arial" panose="020B0604020202020204" pitchFamily="34" charset="0"/>
-              </a:rPr>
-              <a:t>Atul K. Singh(18BCE7078)                                                                       Guided by :</a:t>
-            </a:r>
-          </a:p>
-          <a:p>
-            <a:pPr marL="342900" indent="-342900">
-              <a:buFont typeface="+mj-lt"/>
-              <a:buAutoNum type="arabicPeriod"/>
-            </a:pPr>
-            <a:r>
-              <a:rPr lang="en-GB" sz="1800" dirty="0">
-                <a:latin typeface="Arial" panose="020B0604020202020204" pitchFamily="34" charset="0"/>
-                <a:cs typeface="Arial" panose="020B0604020202020204" pitchFamily="34" charset="0"/>
-              </a:rPr>
-              <a:t>K. Aditya Rajendra (18BCD7008)                                                            Prof. </a:t>
-            </a:r>
-            <a:r>
-              <a:rPr lang="en-GB" sz="1800" dirty="0" err="1">
-                <a:latin typeface="Arial" panose="020B0604020202020204" pitchFamily="34" charset="0"/>
-                <a:cs typeface="Arial" panose="020B0604020202020204" pitchFamily="34" charset="0"/>
-              </a:rPr>
-              <a:t>Nandeesh</a:t>
-            </a:r>
-            <a:r>
-              <a:rPr lang="en-GB" sz="1800" dirty="0">
-                <a:latin typeface="Arial" panose="020B0604020202020204" pitchFamily="34" charset="0"/>
-                <a:cs typeface="Arial" panose="020B0604020202020204" pitchFamily="34" charset="0"/>
-              </a:rPr>
-              <a:t> Kumar</a:t>
-            </a:r>
-          </a:p>
-          <a:p>
-            <a:pPr marL="342900" indent="-342900">
-              <a:buFont typeface="+mj-lt"/>
-              <a:buAutoNum type="arabicPeriod"/>
-            </a:pPr>
-            <a:r>
-              <a:rPr lang="en-GB" sz="1800" dirty="0" err="1">
-                <a:latin typeface="Arial" panose="020B0604020202020204" pitchFamily="34" charset="0"/>
-                <a:cs typeface="Arial" panose="020B0604020202020204" pitchFamily="34" charset="0"/>
-              </a:rPr>
-              <a:t>Sharaj</a:t>
-            </a:r>
-            <a:r>
-              <a:rPr lang="en-GB" sz="1800" dirty="0">
-                <a:latin typeface="Arial" panose="020B0604020202020204" pitchFamily="34" charset="0"/>
-                <a:cs typeface="Arial" panose="020B0604020202020204" pitchFamily="34" charset="0"/>
-              </a:rPr>
-              <a:t> Chandran (18BCD7044)					   Dept. of Electronics </a:t>
-            </a:r>
-            <a:r>
-              <a:rPr lang="en-GB" sz="1800" dirty="0" err="1">
-                <a:latin typeface="Arial" panose="020B0604020202020204" pitchFamily="34" charset="0"/>
-                <a:cs typeface="Arial" panose="020B0604020202020204" pitchFamily="34" charset="0"/>
-              </a:rPr>
-              <a:t>Eng</a:t>
-            </a:r>
-            <a:r>
-              <a:rPr lang="en-GB" sz="1800" dirty="0">
-                <a:latin typeface="Arial" panose="020B0604020202020204" pitchFamily="34" charset="0"/>
-                <a:cs typeface="Arial" panose="020B0604020202020204" pitchFamily="34" charset="0"/>
-              </a:rPr>
-              <a:t>	</a:t>
-            </a:r>
-          </a:p>
-          <a:p>
-            <a:pPr marL="342900" indent="-342900">
-              <a:buFont typeface="+mj-lt"/>
-              <a:buAutoNum type="arabicPeriod"/>
-            </a:pPr>
-            <a:r>
-              <a:rPr lang="en-GB" sz="1800" dirty="0" err="1">
-                <a:latin typeface="Arial" panose="020B0604020202020204" pitchFamily="34" charset="0"/>
-                <a:cs typeface="Arial" panose="020B0604020202020204" pitchFamily="34" charset="0"/>
-              </a:rPr>
-              <a:t>Voruganti</a:t>
-            </a:r>
-            <a:r>
-              <a:rPr lang="en-GB" sz="1800" dirty="0">
-                <a:latin typeface="Arial" panose="020B0604020202020204" pitchFamily="34" charset="0"/>
-                <a:cs typeface="Arial" panose="020B0604020202020204" pitchFamily="34" charset="0"/>
-              </a:rPr>
-              <a:t> Sai Vamshi (18MSI7054)     </a:t>
-            </a:r>
-          </a:p>
-          <a:p>
-            <a:pPr marL="342900" indent="-342900">
-              <a:buFont typeface="+mj-lt"/>
-              <a:buAutoNum type="arabicPeriod"/>
-            </a:pPr>
-            <a:r>
-              <a:rPr lang="en-GB" sz="1800" dirty="0" err="1">
-                <a:latin typeface="Arial" panose="020B0604020202020204" pitchFamily="34" charset="0"/>
-                <a:cs typeface="Arial" panose="020B0604020202020204" pitchFamily="34" charset="0"/>
-              </a:rPr>
-              <a:t>Vedem</a:t>
-            </a:r>
-            <a:r>
-              <a:rPr lang="en-GB" sz="1800" dirty="0">
-                <a:latin typeface="Arial" panose="020B0604020202020204" pitchFamily="34" charset="0"/>
-                <a:cs typeface="Arial" panose="020B0604020202020204" pitchFamily="34" charset="0"/>
-              </a:rPr>
-              <a:t> Bhargav Reddy (18BCE7274)</a:t>
-            </a:r>
-          </a:p>
-          <a:p>
-            <a:pPr marL="342900" indent="-342900">
-              <a:buFont typeface="+mj-lt"/>
-              <a:buAutoNum type="arabicPeriod"/>
-            </a:pPr>
-            <a:r>
-              <a:rPr lang="en-GB" sz="1800" dirty="0" err="1">
-                <a:latin typeface="Arial" panose="020B0604020202020204" pitchFamily="34" charset="0"/>
-                <a:cs typeface="Arial" panose="020B0604020202020204" pitchFamily="34" charset="0"/>
-              </a:rPr>
-              <a:t>Nandiwada</a:t>
-            </a:r>
-            <a:r>
-              <a:rPr lang="en-GB" sz="1800" dirty="0">
-                <a:latin typeface="Arial" panose="020B0604020202020204" pitchFamily="34" charset="0"/>
-                <a:cs typeface="Arial" panose="020B0604020202020204" pitchFamily="34" charset="0"/>
-              </a:rPr>
-              <a:t> Vishnu </a:t>
-            </a:r>
-            <a:r>
-              <a:rPr lang="en-GB" sz="1800" dirty="0" err="1">
-                <a:latin typeface="Arial" panose="020B0604020202020204" pitchFamily="34" charset="0"/>
-                <a:cs typeface="Arial" panose="020B0604020202020204" pitchFamily="34" charset="0"/>
-              </a:rPr>
-              <a:t>Manawani</a:t>
-            </a:r>
-            <a:r>
-              <a:rPr lang="en-GB" sz="1800" dirty="0">
-                <a:latin typeface="Arial" panose="020B0604020202020204" pitchFamily="34" charset="0"/>
-                <a:cs typeface="Arial" panose="020B0604020202020204" pitchFamily="34" charset="0"/>
-              </a:rPr>
-              <a:t> (18BEV7010)</a:t>
-            </a:r>
-          </a:p>
-          <a:p>
-            <a:pPr marL="342900" indent="-342900">
-              <a:lnSpc>
-                <a:spcPct val="80000"/>
-              </a:lnSpc>
-              <a:buFont typeface="+mj-lt"/>
-              <a:buAutoNum type="arabicPeriod"/>
-            </a:pPr>
-            <a:endParaRPr lang="en-IN" sz="1800" dirty="0">
-              <a:latin typeface="Arial" panose="020B0604020202020204" pitchFamily="34" charset="0"/>
-              <a:ea typeface="+mj-ea"/>
-              <a:cs typeface="Arial" panose="020B0604020202020204" pitchFamily="34" charset="0"/>
-            </a:endParaRPr>
-          </a:p>
-          <a:p>
-            <a:pPr marL="342900" indent="-342900">
-              <a:lnSpc>
-                <a:spcPct val="80000"/>
-              </a:lnSpc>
-              <a:buFont typeface="+mj-lt"/>
-              <a:buAutoNum type="arabicPeriod"/>
-            </a:pPr>
-            <a:endParaRPr lang="en-IN" sz="1800" dirty="0">
-              <a:latin typeface="Arial" panose="020B0604020202020204" pitchFamily="34" charset="0"/>
-              <a:cs typeface="Arial" panose="020B0604020202020204" pitchFamily="34" charset="0"/>
-            </a:endParaRPr>
-          </a:p>
-          <a:p>
-            <a:pPr marL="342900" indent="-342900">
-              <a:buFont typeface="+mj-lt"/>
-              <a:buAutoNum type="arabicPeriod"/>
-            </a:pPr>
-            <a:endParaRPr lang="en-IN" sz="1800" b="1" dirty="0">
-              <a:latin typeface="Arial" panose="020B0604020202020204" pitchFamily="34" charset="0"/>
-              <a:cs typeface="Arial" panose="020B0604020202020204" pitchFamily="34" charset="0"/>
-            </a:endParaRPr>
-          </a:p>
-        </p:txBody>
-      </p:sp>
-      <p:pic>
-        <p:nvPicPr>
-          <p:cNvPr id="4" name="Picture 3"/>
-          <p:cNvPicPr>
-            <a:picLocks noChangeAspect="1"/>
-          </p:cNvPicPr>
-          <p:nvPr/>
-        </p:nvPicPr>
-        <p:blipFill>
-          <a:blip r:embed="rId2" cstate="print">
-            <a:extLst>
-              <a:ext uri="{28A0092B-C50C-407E-A947-70E740481C1C}">
-                <a14:useLocalDpi xmlns:a14="http://schemas.microsoft.com/office/drawing/2010/main" val="0"/>
-              </a:ext>
-            </a:extLst>
-          </a:blip>
-          <a:stretch>
-            <a:fillRect/>
-          </a:stretch>
-        </p:blipFill>
-        <p:spPr>
-          <a:xfrm>
-            <a:off x="10758067" y="5969880"/>
-            <a:ext cx="1191466" cy="759789"/>
-          </a:xfrm>
-          <a:prstGeom prst="rect">
-            <a:avLst/>
-          </a:prstGeom>
-          <a:ln w="38100" cap="sq">
-            <a:solidFill>
-              <a:srgbClr val="000000"/>
-            </a:solidFill>
-            <a:prstDash val="solid"/>
-            <a:miter lim="800000"/>
-          </a:ln>
-          <a:effectLst>
-            <a:outerShdw blurRad="50800" dist="38100" dir="2700000" algn="tl" rotWithShape="0">
-              <a:srgbClr val="000000">
-                <a:alpha val="43000"/>
-              </a:srgbClr>
-            </a:outerShdw>
-          </a:effectLst>
-        </p:spPr>
-      </p:pic>
-      <p:grpSp>
-        <p:nvGrpSpPr>
-          <p:cNvPr id="8" name="Group 7"/>
-          <p:cNvGrpSpPr/>
-          <p:nvPr/>
-        </p:nvGrpSpPr>
-        <p:grpSpPr>
-          <a:xfrm>
-            <a:off x="46180" y="5779413"/>
-            <a:ext cx="12122034" cy="36000"/>
-            <a:chOff x="46180" y="5631630"/>
-            <a:chExt cx="12122034" cy="36000"/>
-          </a:xfrm>
-        </p:grpSpPr>
-        <p:sp>
-          <p:nvSpPr>
-            <p:cNvPr id="6" name="Rectangle 5"/>
-            <p:cNvSpPr/>
-            <p:nvPr/>
-          </p:nvSpPr>
-          <p:spPr>
-            <a:xfrm>
-              <a:off x="46180" y="5631630"/>
-              <a:ext cx="6048000" cy="36000"/>
-            </a:xfrm>
-            <a:prstGeom prst="rect">
-              <a:avLst/>
-            </a:prstGeom>
-            <a:solidFill>
-              <a:schemeClr val="accent2">
-                <a:lumMod val="75000"/>
-              </a:schemeClr>
-            </a:solidFill>
-          </p:spPr>
-          <p:style>
-            <a:lnRef idx="2">
-              <a:schemeClr val="accent1">
-                <a:shade val="50000"/>
-              </a:schemeClr>
-            </a:lnRef>
-            <a:fillRef idx="1">
-              <a:schemeClr val="accent1"/>
-            </a:fillRef>
-            <a:effectRef idx="0">
-              <a:schemeClr val="accent1"/>
-            </a:effectRef>
-            <a:fontRef idx="minor">
-              <a:schemeClr val="lt1"/>
-            </a:fontRef>
-          </p:style>
-          <p:txBody>
-            <a:bodyPr rtlCol="0" anchor="ctr"/>
-            <a:lstStyle/>
-            <a:p>
-              <a:pPr algn="ctr"/>
-              <a:endParaRPr lang="en-IN"/>
-            </a:p>
-          </p:txBody>
-        </p:sp>
-        <p:sp>
-          <p:nvSpPr>
-            <p:cNvPr id="7" name="Rectangle 6"/>
-            <p:cNvSpPr/>
-            <p:nvPr/>
-          </p:nvSpPr>
-          <p:spPr>
-            <a:xfrm>
-              <a:off x="6084214" y="5631630"/>
-              <a:ext cx="6084000" cy="36000"/>
-            </a:xfrm>
-            <a:prstGeom prst="rect">
-              <a:avLst/>
-            </a:prstGeom>
-            <a:solidFill>
-              <a:schemeClr val="accent6">
-                <a:lumMod val="50000"/>
-              </a:schemeClr>
-            </a:solidFill>
-          </p:spPr>
-          <p:style>
-            <a:lnRef idx="2">
-              <a:schemeClr val="accent1">
-                <a:shade val="50000"/>
-              </a:schemeClr>
-            </a:lnRef>
-            <a:fillRef idx="1">
-              <a:schemeClr val="accent1"/>
-            </a:fillRef>
-            <a:effectRef idx="0">
-              <a:schemeClr val="accent1"/>
-            </a:effectRef>
-            <a:fontRef idx="minor">
-              <a:schemeClr val="lt1"/>
-            </a:fontRef>
-          </p:style>
-          <p:txBody>
-            <a:bodyPr rtlCol="0" anchor="ctr"/>
-            <a:lstStyle/>
-            <a:p>
-              <a:pPr algn="ctr"/>
-              <a:endParaRPr lang="en-IN"/>
-            </a:p>
-          </p:txBody>
-        </p:sp>
-      </p:grpSp>
-      <p:sp>
-        <p:nvSpPr>
-          <p:cNvPr id="18" name="Title 1"/>
-          <p:cNvSpPr txBox="1">
-            <a:spLocks/>
-          </p:cNvSpPr>
-          <p:nvPr/>
-        </p:nvSpPr>
-        <p:spPr>
-          <a:xfrm>
-            <a:off x="2449945" y="326414"/>
-            <a:ext cx="7589982" cy="1143000"/>
-          </a:xfrm>
-          <a:prstGeom prst="rect">
-            <a:avLst/>
-          </a:prstGeom>
-        </p:spPr>
-        <p:txBody>
-          <a:bodyPr vert="horz" lIns="91440" tIns="45720" rIns="91440" bIns="45720" rtlCol="0" anchor="ctr">
-            <a:normAutofit/>
-          </a:bodyPr>
-          <a:lstStyle>
-            <a:lvl1pPr algn="l" defTabSz="914400" rtl="0" eaLnBrk="1" latinLnBrk="0" hangingPunct="1">
-              <a:lnSpc>
-                <a:spcPct val="90000"/>
-              </a:lnSpc>
-              <a:spcBef>
-                <a:spcPct val="0"/>
-              </a:spcBef>
-              <a:buNone/>
-              <a:defRPr sz="4400" kern="1200">
-                <a:solidFill>
-                  <a:schemeClr val="tx1"/>
-                </a:solidFill>
-                <a:latin typeface="+mj-lt"/>
-                <a:ea typeface="+mj-ea"/>
-                <a:cs typeface="+mj-cs"/>
-              </a:defRPr>
-            </a:lvl1pPr>
-          </a:lstStyle>
-          <a:p>
-            <a:r>
-              <a:rPr lang="en-IN" sz="3400" b="1" dirty="0">
-                <a:latin typeface="Arial" panose="020B0604020202020204" pitchFamily="34" charset="0"/>
-                <a:cs typeface="Arial" panose="020B0604020202020204" pitchFamily="34" charset="0"/>
-              </a:rPr>
-              <a:t>Team Details</a:t>
-            </a:r>
-          </a:p>
-        </p:txBody>
-      </p:sp>
-      <p:sp>
-        <p:nvSpPr>
-          <p:cNvPr id="2" name="Date Placeholder 1"/>
-          <p:cNvSpPr>
-            <a:spLocks noGrp="1"/>
-          </p:cNvSpPr>
-          <p:nvPr>
-            <p:ph type="dt" sz="half" idx="10"/>
-          </p:nvPr>
-        </p:nvSpPr>
-        <p:spPr/>
-        <p:txBody>
-          <a:bodyPr/>
-          <a:lstStyle/>
-          <a:p>
-            <a:fld id="{1482E324-4E8D-4C7F-BF8A-4B5498B76392}" type="datetime1">
-              <a:rPr lang="en-IN" smtClean="0"/>
-              <a:t>13-10-2018</a:t>
-            </a:fld>
-            <a:endParaRPr lang="en-IN"/>
-          </a:p>
-        </p:txBody>
-      </p:sp>
-    </p:spTree>
-    <p:extLst>
-      <p:ext uri="{BB962C8B-B14F-4D97-AF65-F5344CB8AC3E}">
-        <p14:creationId xmlns:p14="http://schemas.microsoft.com/office/powerpoint/2010/main" val="240122683"/>
-      </p:ext>
-    </p:extLst>
-  </p:cSld>
-  <p:clrMapOvr>
-    <a:masterClrMapping/>
-  </p:clrMapOvr>
-</p:sld>
-</file>
-
-<file path=ppt/slides/slide3.xml><?xml version="1.0" encoding="utf-8"?>
-<p:sld xmlns:a="http://schemas.openxmlformats.org/drawingml/2006/main" xmlns:r="http://schemas.openxmlformats.org/officeDocument/2006/relationships" xmlns:p="http://schemas.openxmlformats.org/presentationml/2006/main">
-  <p:cSld>
-    <p:spTree>
-      <p:nvGrpSpPr>
-        <p:cNvPr id="1" name=""/>
-        <p:cNvGrpSpPr/>
-        <p:nvPr/>
-      </p:nvGrpSpPr>
-      <p:grpSpPr>
-        <a:xfrm>
-          <a:off x="0" y="0"/>
-          <a:ext cx="0" cy="0"/>
-          <a:chOff x="0" y="0"/>
-          <a:chExt cx="0" cy="0"/>
-        </a:xfrm>
-      </p:grpSpPr>
-      <p:pic>
-        <p:nvPicPr>
-          <p:cNvPr id="4" name="Picture 3"/>
-          <p:cNvPicPr>
-            <a:picLocks noChangeAspect="1"/>
-          </p:cNvPicPr>
-          <p:nvPr/>
-        </p:nvPicPr>
-        <p:blipFill>
-          <a:blip r:embed="rId2" cstate="print">
-            <a:extLst>
-              <a:ext uri="{28A0092B-C50C-407E-A947-70E740481C1C}">
-                <a14:useLocalDpi xmlns:a14="http://schemas.microsoft.com/office/drawing/2010/main" val="0"/>
-              </a:ext>
-            </a:extLst>
-          </a:blip>
-          <a:stretch>
-            <a:fillRect/>
-          </a:stretch>
-        </p:blipFill>
-        <p:spPr>
-          <a:xfrm>
-            <a:off x="10758067" y="5969880"/>
-            <a:ext cx="1191466" cy="759789"/>
-          </a:xfrm>
-          <a:prstGeom prst="rect">
-            <a:avLst/>
-          </a:prstGeom>
-          <a:ln w="38100" cap="sq">
-            <a:solidFill>
-              <a:srgbClr val="000000"/>
-            </a:solidFill>
-            <a:prstDash val="solid"/>
-            <a:miter lim="800000"/>
-          </a:ln>
-          <a:effectLst>
-            <a:outerShdw blurRad="50800" dist="38100" dir="2700000" algn="tl" rotWithShape="0">
-              <a:srgbClr val="000000">
-                <a:alpha val="43000"/>
-              </a:srgbClr>
-            </a:outerShdw>
-          </a:effectLst>
-        </p:spPr>
-      </p:pic>
-      <p:grpSp>
-        <p:nvGrpSpPr>
-          <p:cNvPr id="8" name="Group 7"/>
-          <p:cNvGrpSpPr/>
-          <p:nvPr/>
-        </p:nvGrpSpPr>
-        <p:grpSpPr>
-          <a:xfrm>
-            <a:off x="46180" y="5779413"/>
-            <a:ext cx="12122034" cy="36000"/>
-            <a:chOff x="46180" y="5631630"/>
-            <a:chExt cx="12122034" cy="36000"/>
-          </a:xfrm>
-        </p:grpSpPr>
-        <p:sp>
-          <p:nvSpPr>
-            <p:cNvPr id="6" name="Rectangle 5"/>
-            <p:cNvSpPr/>
-            <p:nvPr/>
-          </p:nvSpPr>
-          <p:spPr>
-            <a:xfrm>
-              <a:off x="46180" y="5631630"/>
-              <a:ext cx="6048000" cy="36000"/>
-            </a:xfrm>
-            <a:prstGeom prst="rect">
-              <a:avLst/>
-            </a:prstGeom>
-            <a:solidFill>
-              <a:schemeClr val="accent2">
-                <a:lumMod val="75000"/>
-              </a:schemeClr>
-            </a:solidFill>
-          </p:spPr>
-          <p:style>
-            <a:lnRef idx="2">
-              <a:schemeClr val="accent1">
-                <a:shade val="50000"/>
-              </a:schemeClr>
-            </a:lnRef>
-            <a:fillRef idx="1">
-              <a:schemeClr val="accent1"/>
-            </a:fillRef>
-            <a:effectRef idx="0">
-              <a:schemeClr val="accent1"/>
-            </a:effectRef>
-            <a:fontRef idx="minor">
-              <a:schemeClr val="lt1"/>
-            </a:fontRef>
-          </p:style>
-          <p:txBody>
-            <a:bodyPr rtlCol="0" anchor="ctr"/>
-            <a:lstStyle/>
-            <a:p>
-              <a:pPr algn="ctr"/>
-              <a:endParaRPr lang="en-IN" dirty="0"/>
-            </a:p>
-          </p:txBody>
-        </p:sp>
-        <p:sp>
-          <p:nvSpPr>
-            <p:cNvPr id="7" name="Rectangle 6"/>
-            <p:cNvSpPr/>
-            <p:nvPr/>
-          </p:nvSpPr>
-          <p:spPr>
-            <a:xfrm>
-              <a:off x="6084214" y="5631630"/>
-              <a:ext cx="6084000" cy="36000"/>
-            </a:xfrm>
-            <a:prstGeom prst="rect">
-              <a:avLst/>
-            </a:prstGeom>
-            <a:solidFill>
-              <a:schemeClr val="accent6">
-                <a:lumMod val="50000"/>
-              </a:schemeClr>
-            </a:solidFill>
-          </p:spPr>
-          <p:style>
-            <a:lnRef idx="2">
-              <a:schemeClr val="accent1">
-                <a:shade val="50000"/>
-              </a:schemeClr>
-            </a:lnRef>
-            <a:fillRef idx="1">
-              <a:schemeClr val="accent1"/>
-            </a:fillRef>
-            <a:effectRef idx="0">
-              <a:schemeClr val="accent1"/>
-            </a:effectRef>
-            <a:fontRef idx="minor">
-              <a:schemeClr val="lt1"/>
-            </a:fontRef>
-          </p:style>
-          <p:txBody>
-            <a:bodyPr rtlCol="0" anchor="ctr"/>
-            <a:lstStyle/>
-            <a:p>
-              <a:pPr algn="ctr"/>
-              <a:endParaRPr lang="en-IN" dirty="0"/>
-            </a:p>
-          </p:txBody>
-        </p:sp>
-      </p:grpSp>
-      <p:sp>
-        <p:nvSpPr>
           <p:cNvPr id="5" name="Content Placeholder 4">
             <a:extLst>
               <a:ext uri="{FF2B5EF4-FFF2-40B4-BE49-F238E27FC236}">
@@ -4985,7 +4196,7 @@
           <a:p>
             <a:fld id="{33B3A382-ACE6-4726-BE29-7C241DF15101}" type="datetime1">
               <a:rPr lang="en-IN" smtClean="0"/>
-              <a:t>13-10-2018</a:t>
+              <a:t>30-06-2021</a:t>
             </a:fld>
             <a:endParaRPr lang="en-IN" dirty="0"/>
           </a:p>
@@ -5122,7 +4333,7 @@
 </p:sld>
 </file>
 
-<file path=ppt/slides/slide4.xml><?xml version="1.0" encoding="utf-8"?>
+<file path=ppt/slides/slide3.xml><?xml version="1.0" encoding="utf-8"?>
 <p:sld xmlns:a="http://schemas.openxmlformats.org/drawingml/2006/main" xmlns:r="http://schemas.openxmlformats.org/officeDocument/2006/relationships" xmlns:p="http://schemas.openxmlformats.org/presentationml/2006/main">
   <p:cSld>
     <p:spTree>
@@ -5412,7 +4623,7 @@
                 <a:tabLst/>
                 <a:defRPr/>
               </a:pPr>
-              <a:t>13-10-2018</a:t>
+              <a:t>30-06-2021</a:t>
             </a:fld>
             <a:endParaRPr kumimoji="0" lang="en-IN" sz="1200" b="0" i="0" u="none" strike="noStrike" kern="1200" cap="none" spc="0" normalizeH="0" baseline="0" noProof="0" dirty="0">
               <a:ln>
@@ -5654,7 +4865,7 @@
 </p:sld>
 </file>
 
-<file path=ppt/slides/slide5.xml><?xml version="1.0" encoding="utf-8"?>
+<file path=ppt/slides/slide4.xml><?xml version="1.0" encoding="utf-8"?>
 <p:sld xmlns:a="http://schemas.openxmlformats.org/drawingml/2006/main" xmlns:r="http://schemas.openxmlformats.org/officeDocument/2006/relationships" xmlns:p="http://schemas.openxmlformats.org/presentationml/2006/main">
   <p:cSld>
     <p:spTree>
@@ -5837,7 +5048,7 @@
           <a:p>
             <a:fld id="{33B3A382-ACE6-4726-BE29-7C241DF15101}" type="datetime1">
               <a:rPr lang="en-IN" smtClean="0"/>
-              <a:t>13-10-2018</a:t>
+              <a:t>30-06-2021</a:t>
             </a:fld>
             <a:endParaRPr lang="en-IN" dirty="0"/>
           </a:p>
@@ -6009,6 +5220,557 @@
     <p:extLst>
       <p:ext uri="{BB962C8B-B14F-4D97-AF65-F5344CB8AC3E}">
         <p14:creationId xmlns:p14="http://schemas.microsoft.com/office/powerpoint/2010/main" val="3194744759"/>
+      </p:ext>
+    </p:extLst>
+  </p:cSld>
+  <p:clrMapOvr>
+    <a:masterClrMapping/>
+  </p:clrMapOvr>
+</p:sld>
+</file>
+
+<file path=ppt/slides/slide5.xml><?xml version="1.0" encoding="utf-8"?>
+<p:sld xmlns:a="http://schemas.openxmlformats.org/drawingml/2006/main" xmlns:r="http://schemas.openxmlformats.org/officeDocument/2006/relationships" xmlns:p="http://schemas.openxmlformats.org/presentationml/2006/main">
+  <p:cSld>
+    <p:spTree>
+      <p:nvGrpSpPr>
+        <p:cNvPr id="1" name=""/>
+        <p:cNvGrpSpPr/>
+        <p:nvPr/>
+      </p:nvGrpSpPr>
+      <p:grpSpPr>
+        <a:xfrm>
+          <a:off x="0" y="0"/>
+          <a:ext cx="0" cy="0"/>
+          <a:chOff x="0" y="0"/>
+          <a:chExt cx="0" cy="0"/>
+        </a:xfrm>
+      </p:grpSpPr>
+      <p:pic>
+        <p:nvPicPr>
+          <p:cNvPr id="4" name="Picture 3"/>
+          <p:cNvPicPr>
+            <a:picLocks noChangeAspect="1"/>
+          </p:cNvPicPr>
+          <p:nvPr/>
+        </p:nvPicPr>
+        <p:blipFill>
+          <a:blip r:embed="rId2" cstate="print">
+            <a:extLst>
+              <a:ext uri="{28A0092B-C50C-407E-A947-70E740481C1C}">
+                <a14:useLocalDpi xmlns:a14="http://schemas.microsoft.com/office/drawing/2010/main" val="0"/>
+              </a:ext>
+            </a:extLst>
+          </a:blip>
+          <a:stretch>
+            <a:fillRect/>
+          </a:stretch>
+        </p:blipFill>
+        <p:spPr>
+          <a:xfrm>
+            <a:off x="10758067" y="5969880"/>
+            <a:ext cx="1191466" cy="759789"/>
+          </a:xfrm>
+          <a:prstGeom prst="rect">
+            <a:avLst/>
+          </a:prstGeom>
+          <a:ln w="38100" cap="sq">
+            <a:solidFill>
+              <a:srgbClr val="000000"/>
+            </a:solidFill>
+            <a:prstDash val="solid"/>
+            <a:miter lim="800000"/>
+          </a:ln>
+          <a:effectLst>
+            <a:outerShdw blurRad="50800" dist="38100" dir="2700000" algn="tl" rotWithShape="0">
+              <a:srgbClr val="000000">
+                <a:alpha val="43000"/>
+              </a:srgbClr>
+            </a:outerShdw>
+          </a:effectLst>
+        </p:spPr>
+      </p:pic>
+      <p:grpSp>
+        <p:nvGrpSpPr>
+          <p:cNvPr id="8" name="Group 7"/>
+          <p:cNvGrpSpPr/>
+          <p:nvPr/>
+        </p:nvGrpSpPr>
+        <p:grpSpPr>
+          <a:xfrm>
+            <a:off x="46180" y="5779413"/>
+            <a:ext cx="12122034" cy="36000"/>
+            <a:chOff x="46180" y="5631630"/>
+            <a:chExt cx="12122034" cy="36000"/>
+          </a:xfrm>
+        </p:grpSpPr>
+        <p:sp>
+          <p:nvSpPr>
+            <p:cNvPr id="6" name="Rectangle 5"/>
+            <p:cNvSpPr/>
+            <p:nvPr/>
+          </p:nvSpPr>
+          <p:spPr>
+            <a:xfrm>
+              <a:off x="46180" y="5631630"/>
+              <a:ext cx="6048000" cy="36000"/>
+            </a:xfrm>
+            <a:prstGeom prst="rect">
+              <a:avLst/>
+            </a:prstGeom>
+            <a:solidFill>
+              <a:schemeClr val="accent2">
+                <a:lumMod val="75000"/>
+              </a:schemeClr>
+            </a:solidFill>
+          </p:spPr>
+          <p:style>
+            <a:lnRef idx="2">
+              <a:schemeClr val="accent1">
+                <a:shade val="50000"/>
+              </a:schemeClr>
+            </a:lnRef>
+            <a:fillRef idx="1">
+              <a:schemeClr val="accent1"/>
+            </a:fillRef>
+            <a:effectRef idx="0">
+              <a:schemeClr val="accent1"/>
+            </a:effectRef>
+            <a:fontRef idx="minor">
+              <a:schemeClr val="lt1"/>
+            </a:fontRef>
+          </p:style>
+          <p:txBody>
+            <a:bodyPr rtlCol="0" anchor="ctr"/>
+            <a:lstStyle/>
+            <a:p>
+              <a:pPr marL="0" marR="0" lvl="0" indent="0" algn="ctr" defTabSz="914400" rtl="0" eaLnBrk="1" fontAlgn="auto" latinLnBrk="0" hangingPunct="1">
+                <a:lnSpc>
+                  <a:spcPct val="100000"/>
+                </a:lnSpc>
+                <a:spcBef>
+                  <a:spcPts val="0"/>
+                </a:spcBef>
+                <a:spcAft>
+                  <a:spcPts val="0"/>
+                </a:spcAft>
+                <a:buClrTx/>
+                <a:buSzTx/>
+                <a:buFontTx/>
+                <a:buNone/>
+                <a:tabLst/>
+                <a:defRPr/>
+              </a:pPr>
+              <a:endParaRPr kumimoji="0" lang="en-IN" sz="1800" b="0" i="0" u="none" strike="noStrike" kern="1200" cap="none" spc="0" normalizeH="0" baseline="0" noProof="0" dirty="0">
+                <a:ln>
+                  <a:noFill/>
+                </a:ln>
+                <a:solidFill>
+                  <a:prstClr val="white"/>
+                </a:solidFill>
+                <a:effectLst/>
+                <a:uLnTx/>
+                <a:uFillTx/>
+                <a:latin typeface="Calibri" panose="020F0502020204030204"/>
+                <a:ea typeface="+mn-ea"/>
+                <a:cs typeface="+mn-cs"/>
+              </a:endParaRPr>
+            </a:p>
+          </p:txBody>
+        </p:sp>
+        <p:sp>
+          <p:nvSpPr>
+            <p:cNvPr id="7" name="Rectangle 6"/>
+            <p:cNvSpPr/>
+            <p:nvPr/>
+          </p:nvSpPr>
+          <p:spPr>
+            <a:xfrm>
+              <a:off x="6084214" y="5631630"/>
+              <a:ext cx="6084000" cy="36000"/>
+            </a:xfrm>
+            <a:prstGeom prst="rect">
+              <a:avLst/>
+            </a:prstGeom>
+            <a:solidFill>
+              <a:schemeClr val="accent6">
+                <a:lumMod val="50000"/>
+              </a:schemeClr>
+            </a:solidFill>
+          </p:spPr>
+          <p:style>
+            <a:lnRef idx="2">
+              <a:schemeClr val="accent1">
+                <a:shade val="50000"/>
+              </a:schemeClr>
+            </a:lnRef>
+            <a:fillRef idx="1">
+              <a:schemeClr val="accent1"/>
+            </a:fillRef>
+            <a:effectRef idx="0">
+              <a:schemeClr val="accent1"/>
+            </a:effectRef>
+            <a:fontRef idx="minor">
+              <a:schemeClr val="lt1"/>
+            </a:fontRef>
+          </p:style>
+          <p:txBody>
+            <a:bodyPr rtlCol="0" anchor="ctr"/>
+            <a:lstStyle/>
+            <a:p>
+              <a:pPr marL="0" marR="0" lvl="0" indent="0" algn="ctr" defTabSz="914400" rtl="0" eaLnBrk="1" fontAlgn="auto" latinLnBrk="0" hangingPunct="1">
+                <a:lnSpc>
+                  <a:spcPct val="100000"/>
+                </a:lnSpc>
+                <a:spcBef>
+                  <a:spcPts val="0"/>
+                </a:spcBef>
+                <a:spcAft>
+                  <a:spcPts val="0"/>
+                </a:spcAft>
+                <a:buClrTx/>
+                <a:buSzTx/>
+                <a:buFontTx/>
+                <a:buNone/>
+                <a:tabLst/>
+                <a:defRPr/>
+              </a:pPr>
+              <a:endParaRPr kumimoji="0" lang="en-IN" sz="1800" b="0" i="0" u="none" strike="noStrike" kern="1200" cap="none" spc="0" normalizeH="0" baseline="0" noProof="0" dirty="0">
+                <a:ln>
+                  <a:noFill/>
+                </a:ln>
+                <a:solidFill>
+                  <a:prstClr val="white"/>
+                </a:solidFill>
+                <a:effectLst/>
+                <a:uLnTx/>
+                <a:uFillTx/>
+                <a:latin typeface="Calibri" panose="020F0502020204030204"/>
+                <a:ea typeface="+mn-ea"/>
+                <a:cs typeface="+mn-cs"/>
+              </a:endParaRPr>
+            </a:p>
+          </p:txBody>
+        </p:sp>
+      </p:grpSp>
+      <p:sp>
+        <p:nvSpPr>
+          <p:cNvPr id="5" name="Content Placeholder 4">
+            <a:extLst>
+              <a:ext uri="{FF2B5EF4-FFF2-40B4-BE49-F238E27FC236}">
+                <a16:creationId xmlns:a16="http://schemas.microsoft.com/office/drawing/2014/main" id="{9598317C-EF17-46AC-BFEB-8074CABF5FEB}"/>
+              </a:ext>
+            </a:extLst>
+          </p:cNvPr>
+          <p:cNvSpPr>
+            <a:spLocks noGrp="1"/>
+          </p:cNvSpPr>
+          <p:nvPr>
+            <p:ph idx="1"/>
+          </p:nvPr>
+        </p:nvSpPr>
+        <p:spPr>
+          <a:xfrm>
+            <a:off x="838200" y="1372088"/>
+            <a:ext cx="10515600" cy="4327323"/>
+          </a:xfrm>
+        </p:spPr>
+        <p:txBody>
+          <a:bodyPr/>
+          <a:lstStyle/>
+          <a:p>
+            <a:r>
+              <a:rPr lang="en-IN" dirty="0"/>
+              <a:t>900 MHz frequency band</a:t>
+            </a:r>
+          </a:p>
+          <a:p>
+            <a:r>
+              <a:rPr lang="en-IN" dirty="0"/>
+              <a:t>Power requirements</a:t>
+            </a:r>
+          </a:p>
+          <a:p>
+            <a:r>
+              <a:rPr lang="en-IN" dirty="0"/>
+              <a:t>Sending messages using a mobile phone using GPRS</a:t>
+            </a:r>
+          </a:p>
+        </p:txBody>
+      </p:sp>
+      <p:sp>
+        <p:nvSpPr>
+          <p:cNvPr id="2" name="Date Placeholder 1"/>
+          <p:cNvSpPr>
+            <a:spLocks noGrp="1"/>
+          </p:cNvSpPr>
+          <p:nvPr>
+            <p:ph type="dt" sz="half" idx="10"/>
+          </p:nvPr>
+        </p:nvSpPr>
+        <p:spPr/>
+        <p:txBody>
+          <a:bodyPr/>
+          <a:lstStyle/>
+          <a:p>
+            <a:pPr marL="0" marR="0" lvl="0" indent="0" algn="l" defTabSz="914400" rtl="0" eaLnBrk="1" fontAlgn="auto" latinLnBrk="0" hangingPunct="1">
+              <a:lnSpc>
+                <a:spcPct val="100000"/>
+              </a:lnSpc>
+              <a:spcBef>
+                <a:spcPts val="0"/>
+              </a:spcBef>
+              <a:spcAft>
+                <a:spcPts val="0"/>
+              </a:spcAft>
+              <a:buClrTx/>
+              <a:buSzTx/>
+              <a:buFontTx/>
+              <a:buNone/>
+              <a:tabLst/>
+              <a:defRPr/>
+            </a:pPr>
+            <a:fld id="{33B3A382-ACE6-4726-BE29-7C241DF15101}" type="datetime1">
+              <a:rPr kumimoji="0" lang="en-IN" sz="1200" b="0" i="0" u="none" strike="noStrike" kern="1200" cap="none" spc="0" normalizeH="0" baseline="0" noProof="0" smtClean="0">
+                <a:ln>
+                  <a:noFill/>
+                </a:ln>
+                <a:solidFill>
+                  <a:prstClr val="black">
+                    <a:tint val="75000"/>
+                  </a:prstClr>
+                </a:solidFill>
+                <a:effectLst/>
+                <a:uLnTx/>
+                <a:uFillTx/>
+                <a:latin typeface="Calibri" panose="020F0502020204030204"/>
+                <a:ea typeface="+mn-ea"/>
+                <a:cs typeface="+mn-cs"/>
+              </a:rPr>
+              <a:pPr marL="0" marR="0" lvl="0" indent="0" algn="l" defTabSz="914400" rtl="0" eaLnBrk="1" fontAlgn="auto" latinLnBrk="0" hangingPunct="1">
+                <a:lnSpc>
+                  <a:spcPct val="100000"/>
+                </a:lnSpc>
+                <a:spcBef>
+                  <a:spcPts val="0"/>
+                </a:spcBef>
+                <a:spcAft>
+                  <a:spcPts val="0"/>
+                </a:spcAft>
+                <a:buClrTx/>
+                <a:buSzTx/>
+                <a:buFontTx/>
+                <a:buNone/>
+                <a:tabLst/>
+                <a:defRPr/>
+              </a:pPr>
+              <a:t>30-06-2021</a:t>
+            </a:fld>
+            <a:endParaRPr kumimoji="0" lang="en-IN" sz="1200" b="0" i="0" u="none" strike="noStrike" kern="1200" cap="none" spc="0" normalizeH="0" baseline="0" noProof="0" dirty="0">
+              <a:ln>
+                <a:noFill/>
+              </a:ln>
+              <a:solidFill>
+                <a:prstClr val="black">
+                  <a:tint val="75000"/>
+                </a:prstClr>
+              </a:solidFill>
+              <a:effectLst/>
+              <a:uLnTx/>
+              <a:uFillTx/>
+              <a:latin typeface="Calibri" panose="020F0502020204030204"/>
+              <a:ea typeface="+mn-ea"/>
+              <a:cs typeface="+mn-cs"/>
+            </a:endParaRPr>
+          </a:p>
+        </p:txBody>
+      </p:sp>
+      <p:sp>
+        <p:nvSpPr>
+          <p:cNvPr id="12" name="Title 1">
+            <a:extLst>
+              <a:ext uri="{FF2B5EF4-FFF2-40B4-BE49-F238E27FC236}">
+                <a16:creationId xmlns:a16="http://schemas.microsoft.com/office/drawing/2014/main" id="{2A43BBD8-788A-42D7-8C66-153A9B19D2F4}"/>
+              </a:ext>
+            </a:extLst>
+          </p:cNvPr>
+          <p:cNvSpPr txBox="1">
+            <a:spLocks/>
+          </p:cNvSpPr>
+          <p:nvPr/>
+        </p:nvSpPr>
+        <p:spPr>
+          <a:xfrm>
+            <a:off x="1427018" y="282555"/>
+            <a:ext cx="6502400" cy="574306"/>
+          </a:xfrm>
+          <a:prstGeom prst="rect">
+            <a:avLst/>
+          </a:prstGeom>
+        </p:spPr>
+        <p:txBody>
+          <a:bodyPr vert="horz" lIns="91440" tIns="45720" rIns="91440" bIns="45720" rtlCol="0" anchor="ctr">
+            <a:normAutofit/>
+          </a:bodyPr>
+          <a:lstStyle>
+            <a:lvl1pPr algn="l" defTabSz="914400" rtl="0" eaLnBrk="1" latinLnBrk="0" hangingPunct="1">
+              <a:lnSpc>
+                <a:spcPct val="90000"/>
+              </a:lnSpc>
+              <a:spcBef>
+                <a:spcPct val="0"/>
+              </a:spcBef>
+              <a:buNone/>
+              <a:defRPr sz="4400" kern="1200">
+                <a:solidFill>
+                  <a:schemeClr val="tx1"/>
+                </a:solidFill>
+                <a:latin typeface="+mj-lt"/>
+                <a:ea typeface="+mj-ea"/>
+                <a:cs typeface="+mj-cs"/>
+              </a:defRPr>
+            </a:lvl1pPr>
+          </a:lstStyle>
+          <a:p>
+            <a:pPr marL="0" marR="0" lvl="0" indent="0" algn="l" defTabSz="914400" rtl="0" eaLnBrk="1" fontAlgn="auto" latinLnBrk="0" hangingPunct="1">
+              <a:lnSpc>
+                <a:spcPct val="90000"/>
+              </a:lnSpc>
+              <a:spcBef>
+                <a:spcPct val="0"/>
+              </a:spcBef>
+              <a:spcAft>
+                <a:spcPts val="0"/>
+              </a:spcAft>
+              <a:buClrTx/>
+              <a:buSzTx/>
+              <a:buFontTx/>
+              <a:buNone/>
+              <a:tabLst/>
+              <a:defRPr/>
+            </a:pPr>
+            <a:r>
+              <a:rPr lang="en-US" sz="3400" b="1" dirty="0">
+                <a:solidFill>
+                  <a:prstClr val="black"/>
+                </a:solidFill>
+                <a:latin typeface="Arial" panose="020B0604020202020204" pitchFamily="34" charset="0"/>
+                <a:cs typeface="Arial" panose="020B0604020202020204" pitchFamily="34" charset="0"/>
+              </a:rPr>
+              <a:t>G</a:t>
+            </a:r>
+            <a:r>
+              <a:rPr lang="en-IN" sz="3400" b="1" dirty="0">
+                <a:solidFill>
+                  <a:prstClr val="black"/>
+                </a:solidFill>
+                <a:latin typeface="Arial" panose="020B0604020202020204" pitchFamily="34" charset="0"/>
+                <a:cs typeface="Arial" panose="020B0604020202020204" pitchFamily="34" charset="0"/>
+              </a:rPr>
+              <a:t>SM Module </a:t>
+            </a:r>
+            <a:endParaRPr kumimoji="0" lang="en-IN" sz="3400" b="1" i="0" u="none" strike="noStrike" kern="1200" cap="none" spc="0" normalizeH="0" baseline="0" noProof="0" dirty="0">
+              <a:ln>
+                <a:noFill/>
+              </a:ln>
+              <a:solidFill>
+                <a:prstClr val="black"/>
+              </a:solidFill>
+              <a:effectLst/>
+              <a:uLnTx/>
+              <a:uFillTx/>
+              <a:latin typeface="Arial" panose="020B0604020202020204" pitchFamily="34" charset="0"/>
+              <a:ea typeface="+mj-ea"/>
+              <a:cs typeface="Arial" panose="020B0604020202020204" pitchFamily="34" charset="0"/>
+            </a:endParaRPr>
+          </a:p>
+        </p:txBody>
+      </p:sp>
+      <p:sp>
+        <p:nvSpPr>
+          <p:cNvPr id="11" name="Title 1">
+            <a:extLst>
+              <a:ext uri="{FF2B5EF4-FFF2-40B4-BE49-F238E27FC236}">
+                <a16:creationId xmlns:a16="http://schemas.microsoft.com/office/drawing/2014/main" id="{D4021545-7476-4EC4-AE0C-1832D2AB0FBE}"/>
+              </a:ext>
+            </a:extLst>
+          </p:cNvPr>
+          <p:cNvSpPr txBox="1">
+            <a:spLocks/>
+          </p:cNvSpPr>
+          <p:nvPr/>
+        </p:nvSpPr>
+        <p:spPr>
+          <a:xfrm>
+            <a:off x="328473" y="1397798"/>
+            <a:ext cx="11621059" cy="4088113"/>
+          </a:xfrm>
+          <a:prstGeom prst="rect">
+            <a:avLst/>
+          </a:prstGeom>
+        </p:spPr>
+        <p:txBody>
+          <a:bodyPr vert="horz" lIns="91440" tIns="45720" rIns="91440" bIns="45720" rtlCol="0" anchor="ctr">
+            <a:normAutofit/>
+          </a:bodyPr>
+          <a:lstStyle>
+            <a:lvl1pPr algn="l" defTabSz="914400" rtl="0" eaLnBrk="1" latinLnBrk="0" hangingPunct="1">
+              <a:lnSpc>
+                <a:spcPct val="90000"/>
+              </a:lnSpc>
+              <a:spcBef>
+                <a:spcPct val="0"/>
+              </a:spcBef>
+              <a:buNone/>
+              <a:defRPr sz="4400" kern="1200">
+                <a:solidFill>
+                  <a:schemeClr val="tx1"/>
+                </a:solidFill>
+                <a:latin typeface="+mj-lt"/>
+                <a:ea typeface="+mj-ea"/>
+                <a:cs typeface="+mj-cs"/>
+              </a:defRPr>
+            </a:lvl1pPr>
+          </a:lstStyle>
+          <a:p>
+            <a:pPr marL="0" marR="0" lvl="0" indent="0" algn="l" defTabSz="914400" rtl="0" eaLnBrk="1" fontAlgn="auto" latinLnBrk="0" hangingPunct="1">
+              <a:lnSpc>
+                <a:spcPct val="90000"/>
+              </a:lnSpc>
+              <a:spcBef>
+                <a:spcPct val="0"/>
+              </a:spcBef>
+              <a:spcAft>
+                <a:spcPts val="0"/>
+              </a:spcAft>
+              <a:buClrTx/>
+              <a:buSzTx/>
+              <a:buFontTx/>
+              <a:buNone/>
+              <a:tabLst/>
+              <a:defRPr/>
+            </a:pPr>
+            <a:endParaRPr kumimoji="0" lang="en-IN" sz="2400" b="0" i="0" u="none" strike="noStrike" kern="1200" cap="none" spc="0" normalizeH="0" baseline="0" noProof="0" dirty="0">
+              <a:ln>
+                <a:noFill/>
+              </a:ln>
+              <a:solidFill>
+                <a:prstClr val="black"/>
+              </a:solidFill>
+              <a:effectLst/>
+              <a:uLnTx/>
+              <a:uFillTx/>
+              <a:latin typeface="Arial" panose="020B0604020202020204" pitchFamily="34" charset="0"/>
+              <a:ea typeface="+mj-ea"/>
+              <a:cs typeface="Arial" panose="020B0604020202020204" pitchFamily="34" charset="0"/>
+            </a:endParaRPr>
+          </a:p>
+        </p:txBody>
+      </p:sp>
+    </p:spTree>
+    <p:extLst>
+      <p:ext uri="{BB962C8B-B14F-4D97-AF65-F5344CB8AC3E}">
+        <p14:creationId xmlns:p14="http://schemas.microsoft.com/office/powerpoint/2010/main" val="3964762541"/>
       </p:ext>
     </p:extLst>
   </p:cSld>
@@ -6244,51 +6006,6 @@
       </p:grpSp>
       <p:sp>
         <p:nvSpPr>
-          <p:cNvPr id="5" name="Content Placeholder 4">
-            <a:extLst>
-              <a:ext uri="{FF2B5EF4-FFF2-40B4-BE49-F238E27FC236}">
-                <a16:creationId xmlns:a16="http://schemas.microsoft.com/office/drawing/2014/main" id="{9598317C-EF17-46AC-BFEB-8074CABF5FEB}"/>
-              </a:ext>
-            </a:extLst>
-          </p:cNvPr>
-          <p:cNvSpPr>
-            <a:spLocks noGrp="1"/>
-          </p:cNvSpPr>
-          <p:nvPr>
-            <p:ph idx="1"/>
-          </p:nvPr>
-        </p:nvSpPr>
-        <p:spPr>
-          <a:xfrm>
-            <a:off x="838200" y="1372088"/>
-            <a:ext cx="10515600" cy="4327323"/>
-          </a:xfrm>
-        </p:spPr>
-        <p:txBody>
-          <a:bodyPr/>
-          <a:lstStyle/>
-          <a:p>
-            <a:r>
-              <a:rPr lang="en-IN" dirty="0"/>
-              <a:t>900 MHz frequency band</a:t>
-            </a:r>
-          </a:p>
-          <a:p>
-            <a:r>
-              <a:rPr lang="en-IN" dirty="0"/>
-              <a:t>Power requirements</a:t>
-            </a:r>
-          </a:p>
-          <a:p>
-            <a:r>
-              <a:rPr lang="en-IN" dirty="0"/>
-              <a:t>Sending messages using a mobile phone using GPRS</a:t>
-            </a:r>
-          </a:p>
-        </p:txBody>
-      </p:sp>
-      <p:sp>
-        <p:nvSpPr>
           <p:cNvPr id="2" name="Date Placeholder 1"/>
           <p:cNvSpPr>
             <a:spLocks noGrp="1"/>
@@ -6353,7 +6070,7 @@
                 <a:tabLst/>
                 <a:defRPr/>
               </a:pPr>
-              <a:t>13-10-2018</a:t>
+              <a:t>30-06-2021</a:t>
             </a:fld>
             <a:endParaRPr kumimoji="0" lang="en-IN" sz="1200" b="0" i="0" u="none" strike="noStrike" kern="1200" cap="none" spc="0" normalizeH="0" baseline="0" noProof="0" dirty="0">
               <a:ln>
@@ -6439,16 +6156,6 @@
               <a:defRPr/>
             </a:pPr>
             <a:r>
-              <a:rPr lang="en-US" sz="3400" b="1" dirty="0">
-                <a:solidFill>
-                  <a:prstClr val="black"/>
-                </a:solidFill>
-                <a:latin typeface="Arial" panose="020B0604020202020204" pitchFamily="34" charset="0"/>
-                <a:cs typeface="Arial" panose="020B0604020202020204" pitchFamily="34" charset="0"/>
-              </a:rPr>
-              <a:t>G</a:t>
-            </a:r>
-            <a:r>
               <a:rPr lang="en-IN" sz="3400" b="1" dirty="0">
                 <a:solidFill>
                   <a:prstClr val="black"/>
@@ -6456,7 +6163,7 @@
                 <a:latin typeface="Arial" panose="020B0604020202020204" pitchFamily="34" charset="0"/>
                 <a:cs typeface="Arial" panose="020B0604020202020204" pitchFamily="34" charset="0"/>
               </a:rPr>
-              <a:t>SM Module </a:t>
+              <a:t>Circuit Diagram</a:t>
             </a:r>
             <a:endParaRPr kumimoji="0" lang="en-IN" sz="3400" b="1" i="0" u="none" strike="noStrike" kern="1200" cap="none" spc="0" normalizeH="0" baseline="0" noProof="0" dirty="0">
               <a:ln>
@@ -6491,8 +6198,8 @@
         </p:nvSpPr>
         <p:spPr>
           <a:xfrm>
-            <a:off x="328473" y="1397798"/>
-            <a:ext cx="11621059" cy="4088113"/>
+            <a:off x="1672552" y="1867998"/>
+            <a:ext cx="6502400" cy="574306"/>
           </a:xfrm>
           <a:prstGeom prst="rect">
             <a:avLst/>
@@ -6556,10 +6263,46 @@
           </a:p>
         </p:txBody>
       </p:sp>
+      <p:pic>
+        <p:nvPicPr>
+          <p:cNvPr id="5" name="Picture 4">
+            <a:extLst>
+              <a:ext uri="{FF2B5EF4-FFF2-40B4-BE49-F238E27FC236}">
+                <a16:creationId xmlns:a16="http://schemas.microsoft.com/office/drawing/2014/main" id="{2218908D-7D02-433D-9A58-AD8DED9D6E3D}"/>
+              </a:ext>
+            </a:extLst>
+          </p:cNvPr>
+          <p:cNvPicPr>
+            <a:picLocks noChangeAspect="1"/>
+          </p:cNvPicPr>
+          <p:nvPr/>
+        </p:nvPicPr>
+        <p:blipFill>
+          <a:blip r:embed="rId3">
+            <a:extLst>
+              <a:ext uri="{28A0092B-C50C-407E-A947-70E740481C1C}">
+                <a14:useLocalDpi xmlns:a14="http://schemas.microsoft.com/office/drawing/2010/main" val="0"/>
+              </a:ext>
+            </a:extLst>
+          </a:blip>
+          <a:stretch>
+            <a:fillRect/>
+          </a:stretch>
+        </p:blipFill>
+        <p:spPr>
+          <a:xfrm>
+            <a:off x="0" y="1011328"/>
+            <a:ext cx="12192000" cy="4768085"/>
+          </a:xfrm>
+          <a:prstGeom prst="rect">
+            <a:avLst/>
+          </a:prstGeom>
+        </p:spPr>
+      </p:pic>
     </p:spTree>
     <p:extLst>
       <p:ext uri="{BB962C8B-B14F-4D97-AF65-F5344CB8AC3E}">
-        <p14:creationId xmlns:p14="http://schemas.microsoft.com/office/powerpoint/2010/main" val="3964762541"/>
+        <p14:creationId xmlns:p14="http://schemas.microsoft.com/office/powerpoint/2010/main" val="68787773"/>
       </p:ext>
     </p:extLst>
   </p:cSld>
@@ -6795,6 +6538,127 @@
       </p:grpSp>
       <p:sp>
         <p:nvSpPr>
+          <p:cNvPr id="5" name="Content Placeholder 4">
+            <a:extLst>
+              <a:ext uri="{FF2B5EF4-FFF2-40B4-BE49-F238E27FC236}">
+                <a16:creationId xmlns:a16="http://schemas.microsoft.com/office/drawing/2014/main" id="{E8494742-D46D-4C0B-8462-C5C17752E5DF}"/>
+              </a:ext>
+            </a:extLst>
+          </p:cNvPr>
+          <p:cNvSpPr>
+            <a:spLocks noGrp="1"/>
+          </p:cNvSpPr>
+          <p:nvPr>
+            <p:ph idx="1"/>
+          </p:nvPr>
+        </p:nvSpPr>
+        <p:spPr>
+          <a:xfrm>
+            <a:off x="838200" y="1114587"/>
+            <a:ext cx="10515600" cy="4550335"/>
+          </a:xfrm>
+        </p:spPr>
+        <p:txBody>
+          <a:bodyPr>
+            <a:normAutofit fontScale="92500" lnSpcReduction="20000"/>
+          </a:bodyPr>
+          <a:lstStyle/>
+          <a:p>
+            <a:r>
+              <a:rPr lang="en-US" dirty="0"/>
+              <a:t>GPS stands for Global Positioning System and it is a satellite based navigation system.</a:t>
+            </a:r>
+          </a:p>
+          <a:p>
+            <a:r>
+              <a:rPr lang="en-US" dirty="0"/>
+              <a:t>The GPS module used by us is the GPS Module NEO-6m.</a:t>
+            </a:r>
+          </a:p>
+          <a:p>
+            <a:r>
+              <a:rPr lang="en-US" dirty="0"/>
+              <a:t>The GPS module in our project is used to locate the position of a tagged animal and hence find its distance from the sensor.</a:t>
+            </a:r>
+          </a:p>
+          <a:p>
+            <a:r>
+              <a:rPr lang="en-US" dirty="0"/>
+              <a:t>The connections are as follows :</a:t>
+            </a:r>
+          </a:p>
+          <a:p>
+            <a:pPr marL="0" indent="0">
+              <a:buNone/>
+            </a:pPr>
+            <a:r>
+              <a:rPr lang="en-US" dirty="0"/>
+              <a:t>          </a:t>
+            </a:r>
+            <a:r>
+              <a:rPr lang="en-US" u="sng" dirty="0"/>
+              <a:t>GPS </a:t>
+            </a:r>
+            <a:r>
+              <a:rPr lang="en-US" dirty="0"/>
+              <a:t>–</a:t>
+            </a:r>
+            <a:r>
+              <a:rPr lang="en-US" u="sng" dirty="0"/>
+              <a:t> Arduino</a:t>
+            </a:r>
+          </a:p>
+          <a:p>
+            <a:pPr marL="0" indent="0">
+              <a:buNone/>
+            </a:pPr>
+            <a:r>
+              <a:rPr lang="en-US" dirty="0"/>
+              <a:t>          GND – GND</a:t>
+            </a:r>
+          </a:p>
+          <a:p>
+            <a:pPr marL="0" indent="0">
+              <a:buNone/>
+            </a:pPr>
+            <a:r>
+              <a:rPr lang="en-US" dirty="0"/>
+              <a:t>          TX – Digital pin (D3)</a:t>
+            </a:r>
+          </a:p>
+          <a:p>
+            <a:pPr marL="0" indent="0">
+              <a:buNone/>
+            </a:pPr>
+            <a:r>
+              <a:rPr lang="en-US" dirty="0"/>
+              <a:t>          RX – Digital pin (D4)</a:t>
+            </a:r>
+          </a:p>
+          <a:p>
+            <a:pPr marL="0" indent="0">
+              <a:buNone/>
+            </a:pPr>
+            <a:r>
+              <a:rPr lang="en-US" dirty="0"/>
+              <a:t>          </a:t>
+            </a:r>
+            <a:r>
+              <a:rPr lang="en-US" dirty="0" err="1"/>
+              <a:t>Vcc</a:t>
+            </a:r>
+            <a:r>
+              <a:rPr lang="en-US" dirty="0"/>
+              <a:t> – 5 V</a:t>
+            </a:r>
+          </a:p>
+          <a:p>
+            <a:endParaRPr lang="en-IN" dirty="0"/>
+          </a:p>
+        </p:txBody>
+      </p:sp>
+      <p:sp>
+        <p:nvSpPr>
           <p:cNvPr id="2" name="Date Placeholder 1"/>
           <p:cNvSpPr>
             <a:spLocks noGrp="1"/>
@@ -6859,7 +6723,7 @@
                 <a:tabLst/>
                 <a:defRPr/>
               </a:pPr>
-              <a:t>13-10-2018</a:t>
+              <a:t>30-06-2021</a:t>
             </a:fld>
             <a:endParaRPr kumimoji="0" lang="en-IN" sz="1200" b="0" i="0" u="none" strike="noStrike" kern="1200" cap="none" spc="0" normalizeH="0" baseline="0" noProof="0" dirty="0">
               <a:ln>
@@ -6945,6 +6809,16 @@
               <a:defRPr/>
             </a:pPr>
             <a:r>
+              <a:rPr lang="en-US" sz="3400" b="1" dirty="0">
+                <a:solidFill>
+                  <a:prstClr val="black"/>
+                </a:solidFill>
+                <a:latin typeface="Arial" panose="020B0604020202020204" pitchFamily="34" charset="0"/>
+                <a:cs typeface="Arial" panose="020B0604020202020204" pitchFamily="34" charset="0"/>
+              </a:rPr>
+              <a:t>G</a:t>
+            </a:r>
+            <a:r>
               <a:rPr lang="en-IN" sz="3400" b="1" dirty="0">
                 <a:solidFill>
                   <a:prstClr val="black"/>
@@ -6952,7 +6826,7 @@
                 <a:latin typeface="Arial" panose="020B0604020202020204" pitchFamily="34" charset="0"/>
                 <a:cs typeface="Arial" panose="020B0604020202020204" pitchFamily="34" charset="0"/>
               </a:rPr>
-              <a:t>Circuit Diagram</a:t>
+              <a:t>PS Module</a:t>
             </a:r>
             <a:endParaRPr kumimoji="0" lang="en-IN" sz="3400" b="1" i="0" u="none" strike="noStrike" kern="1200" cap="none" spc="0" normalizeH="0" baseline="0" noProof="0" dirty="0">
               <a:ln>
@@ -6987,8 +6861,8 @@
         </p:nvSpPr>
         <p:spPr>
           <a:xfrm>
-            <a:off x="1672552" y="1867998"/>
-            <a:ext cx="6502400" cy="574306"/>
+            <a:off x="559294" y="2441848"/>
+            <a:ext cx="12192000" cy="4971055"/>
           </a:xfrm>
           <a:prstGeom prst="rect">
             <a:avLst/>
@@ -7052,46 +6926,10 @@
           </a:p>
         </p:txBody>
       </p:sp>
-      <p:pic>
-        <p:nvPicPr>
-          <p:cNvPr id="5" name="Picture 4">
-            <a:extLst>
-              <a:ext uri="{FF2B5EF4-FFF2-40B4-BE49-F238E27FC236}">
-                <a16:creationId xmlns:a16="http://schemas.microsoft.com/office/drawing/2014/main" id="{2218908D-7D02-433D-9A58-AD8DED9D6E3D}"/>
-              </a:ext>
-            </a:extLst>
-          </p:cNvPr>
-          <p:cNvPicPr>
-            <a:picLocks noChangeAspect="1"/>
-          </p:cNvPicPr>
-          <p:nvPr/>
-        </p:nvPicPr>
-        <p:blipFill>
-          <a:blip r:embed="rId3">
-            <a:extLst>
-              <a:ext uri="{28A0092B-C50C-407E-A947-70E740481C1C}">
-                <a14:useLocalDpi xmlns:a14="http://schemas.microsoft.com/office/drawing/2010/main" val="0"/>
-              </a:ext>
-            </a:extLst>
-          </a:blip>
-          <a:stretch>
-            <a:fillRect/>
-          </a:stretch>
-        </p:blipFill>
-        <p:spPr>
-          <a:xfrm>
-            <a:off x="0" y="1011328"/>
-            <a:ext cx="12192000" cy="4768085"/>
-          </a:xfrm>
-          <a:prstGeom prst="rect">
-            <a:avLst/>
-          </a:prstGeom>
-        </p:spPr>
-      </p:pic>
     </p:spTree>
     <p:extLst>
       <p:ext uri="{BB962C8B-B14F-4D97-AF65-F5344CB8AC3E}">
-        <p14:creationId xmlns:p14="http://schemas.microsoft.com/office/powerpoint/2010/main" val="68787773"/>
+        <p14:creationId xmlns:p14="http://schemas.microsoft.com/office/powerpoint/2010/main" val="4007201759"/>
       </p:ext>
     </p:extLst>
   </p:cSld>
@@ -7327,127 +7165,6 @@
       </p:grpSp>
       <p:sp>
         <p:nvSpPr>
-          <p:cNvPr id="5" name="Content Placeholder 4">
-            <a:extLst>
-              <a:ext uri="{FF2B5EF4-FFF2-40B4-BE49-F238E27FC236}">
-                <a16:creationId xmlns:a16="http://schemas.microsoft.com/office/drawing/2014/main" id="{E8494742-D46D-4C0B-8462-C5C17752E5DF}"/>
-              </a:ext>
-            </a:extLst>
-          </p:cNvPr>
-          <p:cNvSpPr>
-            <a:spLocks noGrp="1"/>
-          </p:cNvSpPr>
-          <p:nvPr>
-            <p:ph idx="1"/>
-          </p:nvPr>
-        </p:nvSpPr>
-        <p:spPr>
-          <a:xfrm>
-            <a:off x="838200" y="1114587"/>
-            <a:ext cx="10515600" cy="4550335"/>
-          </a:xfrm>
-        </p:spPr>
-        <p:txBody>
-          <a:bodyPr>
-            <a:normAutofit fontScale="92500" lnSpcReduction="20000"/>
-          </a:bodyPr>
-          <a:lstStyle/>
-          <a:p>
-            <a:r>
-              <a:rPr lang="en-US" dirty="0"/>
-              <a:t>GPS stands for Global Positioning System and it is a satellite based navigation system.</a:t>
-            </a:r>
-          </a:p>
-          <a:p>
-            <a:r>
-              <a:rPr lang="en-US" dirty="0"/>
-              <a:t>The GPS module used by us is the GPS Module NEO-6m.</a:t>
-            </a:r>
-          </a:p>
-          <a:p>
-            <a:r>
-              <a:rPr lang="en-US" dirty="0"/>
-              <a:t>The GPS module in our project is used to locate the position of a tagged animal and hence find its distance from the sensor.</a:t>
-            </a:r>
-          </a:p>
-          <a:p>
-            <a:r>
-              <a:rPr lang="en-US" dirty="0"/>
-              <a:t>The connections are as follows :</a:t>
-            </a:r>
-          </a:p>
-          <a:p>
-            <a:pPr marL="0" indent="0">
-              <a:buNone/>
-            </a:pPr>
-            <a:r>
-              <a:rPr lang="en-US" dirty="0"/>
-              <a:t>          </a:t>
-            </a:r>
-            <a:r>
-              <a:rPr lang="en-US" u="sng" dirty="0"/>
-              <a:t>GPS </a:t>
-            </a:r>
-            <a:r>
-              <a:rPr lang="en-US" dirty="0"/>
-              <a:t>–</a:t>
-            </a:r>
-            <a:r>
-              <a:rPr lang="en-US" u="sng" dirty="0"/>
-              <a:t> Arduino</a:t>
-            </a:r>
-          </a:p>
-          <a:p>
-            <a:pPr marL="0" indent="0">
-              <a:buNone/>
-            </a:pPr>
-            <a:r>
-              <a:rPr lang="en-US" dirty="0"/>
-              <a:t>          GND – GND</a:t>
-            </a:r>
-          </a:p>
-          <a:p>
-            <a:pPr marL="0" indent="0">
-              <a:buNone/>
-            </a:pPr>
-            <a:r>
-              <a:rPr lang="en-US" dirty="0"/>
-              <a:t>          TX – Digital pin (D3)</a:t>
-            </a:r>
-          </a:p>
-          <a:p>
-            <a:pPr marL="0" indent="0">
-              <a:buNone/>
-            </a:pPr>
-            <a:r>
-              <a:rPr lang="en-US" dirty="0"/>
-              <a:t>          RX – Digital pin (D4)</a:t>
-            </a:r>
-          </a:p>
-          <a:p>
-            <a:pPr marL="0" indent="0">
-              <a:buNone/>
-            </a:pPr>
-            <a:r>
-              <a:rPr lang="en-US" dirty="0"/>
-              <a:t>          </a:t>
-            </a:r>
-            <a:r>
-              <a:rPr lang="en-US" dirty="0" err="1"/>
-              <a:t>Vcc</a:t>
-            </a:r>
-            <a:r>
-              <a:rPr lang="en-US" dirty="0"/>
-              <a:t> – 5 V</a:t>
-            </a:r>
-          </a:p>
-          <a:p>
-            <a:endParaRPr lang="en-IN" dirty="0"/>
-          </a:p>
-        </p:txBody>
-      </p:sp>
-      <p:sp>
-        <p:nvSpPr>
           <p:cNvPr id="2" name="Date Placeholder 1"/>
           <p:cNvSpPr>
             <a:spLocks noGrp="1"/>
@@ -7512,7 +7229,7 @@
                 <a:tabLst/>
                 <a:defRPr/>
               </a:pPr>
-              <a:t>13-10-2018</a:t>
+              <a:t>30-06-2021</a:t>
             </a:fld>
             <a:endParaRPr kumimoji="0" lang="en-IN" sz="1200" b="0" i="0" u="none" strike="noStrike" kern="1200" cap="none" spc="0" normalizeH="0" baseline="0" noProof="0" dirty="0">
               <a:ln>
@@ -7598,16 +7315,6 @@
               <a:defRPr/>
             </a:pPr>
             <a:r>
-              <a:rPr lang="en-US" sz="3400" b="1" dirty="0">
-                <a:solidFill>
-                  <a:prstClr val="black"/>
-                </a:solidFill>
-                <a:latin typeface="Arial" panose="020B0604020202020204" pitchFamily="34" charset="0"/>
-                <a:cs typeface="Arial" panose="020B0604020202020204" pitchFamily="34" charset="0"/>
-              </a:rPr>
-              <a:t>G</a:t>
-            </a:r>
-            <a:r>
               <a:rPr lang="en-IN" sz="3400" b="1" dirty="0">
                 <a:solidFill>
                   <a:prstClr val="black"/>
@@ -7615,7 +7322,7 @@
                 <a:latin typeface="Arial" panose="020B0604020202020204" pitchFamily="34" charset="0"/>
                 <a:cs typeface="Arial" panose="020B0604020202020204" pitchFamily="34" charset="0"/>
               </a:rPr>
-              <a:t>PS Module</a:t>
+              <a:t>Circuit Diagram</a:t>
             </a:r>
             <a:endParaRPr kumimoji="0" lang="en-IN" sz="3400" b="1" i="0" u="none" strike="noStrike" kern="1200" cap="none" spc="0" normalizeH="0" baseline="0" noProof="0" dirty="0">
               <a:ln>
@@ -7650,8 +7357,8 @@
         </p:nvSpPr>
         <p:spPr>
           <a:xfrm>
-            <a:off x="559294" y="2441848"/>
-            <a:ext cx="12192000" cy="4971055"/>
+            <a:off x="1427018" y="1604187"/>
+            <a:ext cx="6502400" cy="574306"/>
           </a:xfrm>
           <a:prstGeom prst="rect">
             <a:avLst/>
@@ -7715,10 +7422,40 @@
           </a:p>
         </p:txBody>
       </p:sp>
+      <p:pic>
+        <p:nvPicPr>
+          <p:cNvPr id="9" name="Picture 8">
+            <a:extLst>
+              <a:ext uri="{FF2B5EF4-FFF2-40B4-BE49-F238E27FC236}">
+                <a16:creationId xmlns:a16="http://schemas.microsoft.com/office/drawing/2014/main" id="{A2CC8543-F027-4D05-A1F0-224FC2ADFCE1}"/>
+              </a:ext>
+            </a:extLst>
+          </p:cNvPr>
+          <p:cNvPicPr>
+            <a:picLocks noChangeAspect="1"/>
+          </p:cNvPicPr>
+          <p:nvPr/>
+        </p:nvPicPr>
+        <p:blipFill>
+          <a:blip r:embed="rId3"/>
+          <a:stretch>
+            <a:fillRect/>
+          </a:stretch>
+        </p:blipFill>
+        <p:spPr>
+          <a:xfrm>
+            <a:off x="0" y="1011328"/>
+            <a:ext cx="12168214" cy="4624085"/>
+          </a:xfrm>
+          <a:prstGeom prst="rect">
+            <a:avLst/>
+          </a:prstGeom>
+        </p:spPr>
+      </p:pic>
     </p:spTree>
     <p:extLst>
       <p:ext uri="{BB962C8B-B14F-4D97-AF65-F5344CB8AC3E}">
-        <p14:creationId xmlns:p14="http://schemas.microsoft.com/office/powerpoint/2010/main" val="4007201759"/>
+        <p14:creationId xmlns:p14="http://schemas.microsoft.com/office/powerpoint/2010/main" val="2678172397"/>
       </p:ext>
     </p:extLst>
   </p:cSld>
@@ -7843,37 +7580,8 @@
             <a:bodyPr rtlCol="0" anchor="ctr"/>
             <a:lstStyle/>
             <a:p>
-              <a:pPr marL="0" marR="0" lvl="0" indent="0" algn="ctr" defTabSz="914400" rtl="0" eaLnBrk="1" fontAlgn="auto" latinLnBrk="0" hangingPunct="1">
-                <a:lnSpc>
-                  <a:spcPct val="100000"/>
-                </a:lnSpc>
-                <a:spcBef>
-                  <a:spcPts val="0"/>
-                </a:spcBef>
-                <a:spcAft>
-                  <a:spcPts val="0"/>
-                </a:spcAft>
-                <a:buClrTx/>
-                <a:buSzTx/>
-                <a:buFontTx/>
-                <a:buNone/>
-                <a:tabLst/>
-                <a:defRPr/>
-              </a:pPr>
-              <a:endParaRPr kumimoji="0" lang="en-IN" sz="1800" b="0" i="0" u="none" strike="noStrike" kern="1200" cap="none" spc="0" normalizeH="0" baseline="0" noProof="0" dirty="0">
-                <a:ln>
-                  <a:noFill/>
-                </a:ln>
-                <a:solidFill>
-                  <a:prstClr val="white"/>
-                </a:solidFill>
-                <a:effectLst/>
-                <a:uLnTx/>
-                <a:uFillTx/>
-                <a:latin typeface="Calibri" panose="020F0502020204030204"/>
-                <a:ea typeface="+mn-ea"/>
-                <a:cs typeface="+mn-cs"/>
-              </a:endParaRPr>
+              <a:pPr algn="ctr"/>
+              <a:endParaRPr lang="en-IN" dirty="0"/>
             </a:p>
           </p:txBody>
         </p:sp>
@@ -7917,37 +7625,8 @@
             <a:bodyPr rtlCol="0" anchor="ctr"/>
             <a:lstStyle/>
             <a:p>
-              <a:pPr marL="0" marR="0" lvl="0" indent="0" algn="ctr" defTabSz="914400" rtl="0" eaLnBrk="1" fontAlgn="auto" latinLnBrk="0" hangingPunct="1">
-                <a:lnSpc>
-                  <a:spcPct val="100000"/>
-                </a:lnSpc>
-                <a:spcBef>
-                  <a:spcPts val="0"/>
-                </a:spcBef>
-                <a:spcAft>
-                  <a:spcPts val="0"/>
-                </a:spcAft>
-                <a:buClrTx/>
-                <a:buSzTx/>
-                <a:buFontTx/>
-                <a:buNone/>
-                <a:tabLst/>
-                <a:defRPr/>
-              </a:pPr>
-              <a:endParaRPr kumimoji="0" lang="en-IN" sz="1800" b="0" i="0" u="none" strike="noStrike" kern="1200" cap="none" spc="0" normalizeH="0" baseline="0" noProof="0" dirty="0">
-                <a:ln>
-                  <a:noFill/>
-                </a:ln>
-                <a:solidFill>
-                  <a:prstClr val="white"/>
-                </a:solidFill>
-                <a:effectLst/>
-                <a:uLnTx/>
-                <a:uFillTx/>
-                <a:latin typeface="Calibri" panose="020F0502020204030204"/>
-                <a:ea typeface="+mn-ea"/>
-                <a:cs typeface="+mn-cs"/>
-              </a:endParaRPr>
+              <a:pPr algn="ctr"/>
+              <a:endParaRPr lang="en-IN" dirty="0"/>
             </a:p>
           </p:txBody>
         </p:sp>
@@ -7967,75 +7646,11 @@
           <a:bodyPr/>
           <a:lstStyle/>
           <a:p>
-            <a:pPr marL="0" marR="0" lvl="0" indent="0" algn="l" defTabSz="914400" rtl="0" eaLnBrk="1" fontAlgn="auto" latinLnBrk="0" hangingPunct="1">
-              <a:lnSpc>
-                <a:spcPct val="100000"/>
-              </a:lnSpc>
-              <a:spcBef>
-                <a:spcPts val="0"/>
-              </a:spcBef>
-              <a:spcAft>
-                <a:spcPts val="0"/>
-              </a:spcAft>
-              <a:buClrTx/>
-              <a:buSzTx/>
-              <a:buFontTx/>
-              <a:buNone/>
-              <a:tabLst/>
-              <a:defRPr/>
-            </a:pPr>
-            <a:fld id="{33B3A382-ACE6-4726-BE29-7C241DF15101}" type="datetime1">
-              <a:rPr kumimoji="0" lang="en-IN" sz="1200" b="0" i="0" u="none" strike="noStrike" kern="1200" cap="none" spc="0" normalizeH="0" baseline="0" noProof="0" smtClean="0">
-                <a:ln>
-                  <a:noFill/>
-                </a:ln>
-                <a:solidFill>
-                  <a:prstClr val="black">
-                    <a:tint val="75000"/>
-                  </a:prstClr>
-                </a:solidFill>
-                <a:effectLst/>
-                <a:uLnTx/>
-                <a:uFillTx/>
-                <a:latin typeface="Calibri" panose="020F0502020204030204"/>
-                <a:ea typeface="+mn-ea"/>
-                <a:cs typeface="+mn-cs"/>
-              </a:rPr>
-              <a:pPr marL="0" marR="0" lvl="0" indent="0" algn="l" defTabSz="914400" rtl="0" eaLnBrk="1" fontAlgn="auto" latinLnBrk="0" hangingPunct="1">
-                <a:lnSpc>
-                  <a:spcPct val="100000"/>
-                </a:lnSpc>
-                <a:spcBef>
-                  <a:spcPts val="0"/>
-                </a:spcBef>
-                <a:spcAft>
-                  <a:spcPts val="0"/>
-                </a:spcAft>
-                <a:buClrTx/>
-                <a:buSzTx/>
-                <a:buFontTx/>
-                <a:buNone/>
-                <a:tabLst/>
-                <a:defRPr/>
-              </a:pPr>
-              <a:t>13-10-2018</a:t>
+            <a:fld id="{31F6E3FF-E218-404E-B43D-8EE70304E5E5}" type="datetime1">
+              <a:rPr lang="en-IN" smtClean="0"/>
+              <a:t>30-06-2021</a:t>
             </a:fld>
-            <a:endParaRPr kumimoji="0" lang="en-IN" sz="1200" b="0" i="0" u="none" strike="noStrike" kern="1200" cap="none" spc="0" normalizeH="0" baseline="0" noProof="0" dirty="0">
-              <a:ln>
-                <a:noFill/>
-              </a:ln>
-              <a:solidFill>
-                <a:prstClr val="black">
-                  <a:tint val="75000"/>
-                </a:prstClr>
-              </a:solidFill>
-              <a:effectLst/>
-              <a:uLnTx/>
-              <a:uFillTx/>
-              <a:latin typeface="Calibri" panose="020F0502020204030204"/>
-              <a:ea typeface="+mn-ea"/>
-              <a:cs typeface="+mn-cs"/>
-            </a:endParaRPr>
+            <a:endParaRPr lang="en-IN" dirty="0"/>
           </a:p>
         </p:txBody>
       </p:sp>
@@ -8086,137 +7701,22 @@
             </a:lvl1pPr>
           </a:lstStyle>
           <a:p>
-            <a:pPr marL="0" marR="0" lvl="0" indent="0" algn="l" defTabSz="914400" rtl="0" eaLnBrk="1" fontAlgn="auto" latinLnBrk="0" hangingPunct="1">
-              <a:lnSpc>
-                <a:spcPct val="90000"/>
-              </a:lnSpc>
-              <a:spcBef>
-                <a:spcPct val="0"/>
-              </a:spcBef>
-              <a:spcAft>
-                <a:spcPts val="0"/>
-              </a:spcAft>
-              <a:buClrTx/>
-              <a:buSzTx/>
-              <a:buFontTx/>
-              <a:buNone/>
-              <a:tabLst/>
-              <a:defRPr/>
-            </a:pPr>
             <a:r>
               <a:rPr lang="en-IN" sz="3400" b="1" dirty="0">
-                <a:solidFill>
-                  <a:prstClr val="black"/>
-                </a:solidFill>
                 <a:latin typeface="Arial" panose="020B0604020202020204" pitchFamily="34" charset="0"/>
                 <a:cs typeface="Arial" panose="020B0604020202020204" pitchFamily="34" charset="0"/>
               </a:rPr>
-              <a:t>Circuit Diagram</a:t>
-            </a:r>
-            <a:endParaRPr kumimoji="0" lang="en-IN" sz="3400" b="1" i="0" u="none" strike="noStrike" kern="1200" cap="none" spc="0" normalizeH="0" baseline="0" noProof="0" dirty="0">
-              <a:ln>
-                <a:noFill/>
-              </a:ln>
-              <a:solidFill>
-                <a:prstClr val="black"/>
-              </a:solidFill>
-              <a:effectLst/>
-              <a:uLnTx/>
-              <a:uFillTx/>
-              <a:latin typeface="Arial" panose="020B0604020202020204" pitchFamily="34" charset="0"/>
-              <a:ea typeface="+mj-ea"/>
-              <a:cs typeface="Arial" panose="020B0604020202020204" pitchFamily="34" charset="0"/>
-            </a:endParaRPr>
-          </a:p>
-        </p:txBody>
-      </p:sp>
-      <p:sp>
-        <p:nvSpPr>
-          <p:cNvPr id="11" name="Title 1">
+              <a:t>Content Details</a:t>
+            </a:r>
+          </a:p>
+        </p:txBody>
+      </p:sp>
+      <p:pic>
+        <p:nvPicPr>
+          <p:cNvPr id="11" name="Picture 10">
             <a:extLst>
               <a:ext uri="{FF2B5EF4-FFF2-40B4-BE49-F238E27FC236}">
-                <a16:creationId xmlns:a16="http://schemas.microsoft.com/office/drawing/2014/main" id="{D4021545-7476-4EC4-AE0C-1832D2AB0FBE}"/>
-              </a:ext>
-            </a:extLst>
-          </p:cNvPr>
-          <p:cNvSpPr txBox="1">
-            <a:spLocks/>
-          </p:cNvSpPr>
-          <p:nvPr/>
-        </p:nvSpPr>
-        <p:spPr>
-          <a:xfrm>
-            <a:off x="1427018" y="1604187"/>
-            <a:ext cx="6502400" cy="574306"/>
-          </a:xfrm>
-          <a:prstGeom prst="rect">
-            <a:avLst/>
-          </a:prstGeom>
-        </p:spPr>
-        <p:txBody>
-          <a:bodyPr vert="horz" lIns="91440" tIns="45720" rIns="91440" bIns="45720" rtlCol="0" anchor="ctr">
-            <a:normAutofit/>
-          </a:bodyPr>
-          <a:lstStyle>
-            <a:lvl1pPr algn="l" defTabSz="914400" rtl="0" eaLnBrk="1" latinLnBrk="0" hangingPunct="1">
-              <a:lnSpc>
-                <a:spcPct val="90000"/>
-              </a:lnSpc>
-              <a:spcBef>
-                <a:spcPct val="0"/>
-              </a:spcBef>
-              <a:buNone/>
-              <a:defRPr sz="4400" kern="1200">
-                <a:solidFill>
-                  <a:schemeClr val="tx1"/>
-                </a:solidFill>
-                <a:latin typeface="+mj-lt"/>
-                <a:ea typeface="+mj-ea"/>
-                <a:cs typeface="+mj-cs"/>
-              </a:defRPr>
-            </a:lvl1pPr>
-          </a:lstStyle>
-          <a:p>
-            <a:pPr marL="0" marR="0" lvl="0" indent="0" algn="l" defTabSz="914400" rtl="0" eaLnBrk="1" fontAlgn="auto" latinLnBrk="0" hangingPunct="1">
-              <a:lnSpc>
-                <a:spcPct val="90000"/>
-              </a:lnSpc>
-              <a:spcBef>
-                <a:spcPct val="0"/>
-              </a:spcBef>
-              <a:spcAft>
-                <a:spcPts val="0"/>
-              </a:spcAft>
-              <a:buClrTx/>
-              <a:buSzTx/>
-              <a:buFontTx/>
-              <a:buNone/>
-              <a:tabLst/>
-              <a:defRPr/>
-            </a:pPr>
-            <a:endParaRPr kumimoji="0" lang="en-IN" sz="2400" b="0" i="0" u="none" strike="noStrike" kern="1200" cap="none" spc="0" normalizeH="0" baseline="0" noProof="0" dirty="0">
-              <a:ln>
-                <a:noFill/>
-              </a:ln>
-              <a:solidFill>
-                <a:prstClr val="black"/>
-              </a:solidFill>
-              <a:effectLst/>
-              <a:uLnTx/>
-              <a:uFillTx/>
-              <a:latin typeface="Arial" panose="020B0604020202020204" pitchFamily="34" charset="0"/>
-              <a:ea typeface="+mj-ea"/>
-              <a:cs typeface="Arial" panose="020B0604020202020204" pitchFamily="34" charset="0"/>
-            </a:endParaRPr>
-          </a:p>
-        </p:txBody>
-      </p:sp>
-      <p:pic>
-        <p:nvPicPr>
-          <p:cNvPr id="9" name="Picture 8">
-            <a:extLst>
-              <a:ext uri="{FF2B5EF4-FFF2-40B4-BE49-F238E27FC236}">
-                <a16:creationId xmlns:a16="http://schemas.microsoft.com/office/drawing/2014/main" id="{A2CC8543-F027-4D05-A1F0-224FC2ADFCE1}"/>
+                <a16:creationId xmlns:a16="http://schemas.microsoft.com/office/drawing/2014/main" id="{001F1404-7930-4D25-885B-B2B1CEB30602}"/>
               </a:ext>
             </a:extLst>
           </p:cNvPr>
@@ -8225,16 +7725,15 @@
           </p:cNvPicPr>
           <p:nvPr/>
         </p:nvPicPr>
-        <p:blipFill>
+        <p:blipFill rotWithShape="1">
           <a:blip r:embed="rId3"/>
-          <a:stretch>
-            <a:fillRect/>
-          </a:stretch>
+          <a:srcRect l="16794" t="37340" r="27828" b="24543"/>
+          <a:stretch/>
         </p:blipFill>
         <p:spPr>
           <a:xfrm>
-            <a:off x="0" y="1011328"/>
-            <a:ext cx="12168214" cy="4624085"/>
+            <a:off x="1662544" y="1526330"/>
+            <a:ext cx="9463268" cy="3663831"/>
           </a:xfrm>
           <a:prstGeom prst="rect">
             <a:avLst/>
@@ -8244,7 +7743,7 @@
     </p:spTree>
     <p:extLst>
       <p:ext uri="{BB962C8B-B14F-4D97-AF65-F5344CB8AC3E}">
-        <p14:creationId xmlns:p14="http://schemas.microsoft.com/office/powerpoint/2010/main" val="2678172397"/>
+        <p14:creationId xmlns:p14="http://schemas.microsoft.com/office/powerpoint/2010/main" val="1049844309"/>
       </p:ext>
     </p:extLst>
   </p:cSld>
